--- a/Pipelined basic instruction set simulation.pptx
+++ b/Pipelined basic instruction set simulation.pptx
@@ -2,18 +2,18 @@
 <file path=ppt/presentation.xml><?xml version="1.0" encoding="utf-8"?>
 <p:presentation xmlns:a="http://schemas.openxmlformats.org/drawingml/2006/main" xmlns:r="http://schemas.openxmlformats.org/officeDocument/2006/relationships" xmlns:p="http://schemas.openxmlformats.org/presentationml/2006/main">
   <p:sldMasterIdLst>
-    <p:sldMasterId id="2147483648" r:id="rId5"/>
+    <p:sldMasterId id="2147483648" r:id="rId1"/>
   </p:sldMasterIdLst>
   <p:notesMasterIdLst>
-    <p:notesMasterId r:id="rId7"/>
+    <p:notesMasterId r:id="rId8"/>
   </p:notesMasterIdLst>
   <p:sldIdLst>
-    <p:sldId id="256" r:id="rId8"/>
-    <p:sldId id="257" r:id="rId9"/>
-    <p:sldId id="258" r:id="rId11"/>
-    <p:sldId id="259" r:id="rId12"/>
-    <p:sldId id="260" r:id="rId13"/>
-    <p:sldId id="261" r:id="rId14"/>
+    <p:sldId id="256" r:id="rId2"/>
+    <p:sldId id="257" r:id="rId3"/>
+    <p:sldId id="258" r:id="rId4"/>
+    <p:sldId id="259" r:id="rId5"/>
+    <p:sldId id="260" r:id="rId6"/>
+    <p:sldId id="261" r:id="rId7"/>
   </p:sldIdLst>
   <p:sldSz cx="12192000" cy="6858000"/>
   <p:notesSz cx="6858000" cy="9144000"/>
@@ -33,7 +33,7 @@
       <a:buFontTx/>
       <a:buNone/>
       <a:tabLst/>
-      <a:defRPr b="0" baseline="0" cap="none" i="0" spc="0" strike="noStrike" sz="1800" u="none" kumimoji="0" normalizeH="0">
+      <a:defRPr kumimoji="0" sz="1800" b="0" i="0" u="none" strike="noStrike" cap="none" spc="0" normalizeH="0" baseline="0">
         <a:ln>
           <a:noFill/>
         </a:ln>
@@ -59,7 +59,7 @@
       <a:buFontTx/>
       <a:buNone/>
       <a:tabLst/>
-      <a:defRPr b="0" baseline="0" cap="none" i="0" spc="0" strike="noStrike" sz="1800" u="none" kumimoji="0" normalizeH="0">
+      <a:defRPr kumimoji="0" sz="1800" b="0" i="0" u="none" strike="noStrike" cap="none" spc="0" normalizeH="0" baseline="0">
         <a:ln>
           <a:noFill/>
         </a:ln>
@@ -89,7 +89,7 @@
       <a:buFontTx/>
       <a:buNone/>
       <a:tabLst/>
-      <a:defRPr b="0" baseline="0" cap="none" i="0" spc="0" strike="noStrike" sz="1800" u="none" kumimoji="0" normalizeH="0">
+      <a:defRPr kumimoji="0" sz="1800" b="0" i="0" u="none" strike="noStrike" cap="none" spc="0" normalizeH="0" baseline="0">
         <a:ln>
           <a:noFill/>
         </a:ln>
@@ -119,7 +119,7 @@
       <a:buFontTx/>
       <a:buNone/>
       <a:tabLst/>
-      <a:defRPr b="0" baseline="0" cap="none" i="0" spc="0" strike="noStrike" sz="1800" u="none" kumimoji="0" normalizeH="0">
+      <a:defRPr kumimoji="0" sz="1800" b="0" i="0" u="none" strike="noStrike" cap="none" spc="0" normalizeH="0" baseline="0">
         <a:ln>
           <a:noFill/>
         </a:ln>
@@ -149,7 +149,7 @@
       <a:buFontTx/>
       <a:buNone/>
       <a:tabLst/>
-      <a:defRPr b="0" baseline="0" cap="none" i="0" spc="0" strike="noStrike" sz="1800" u="none" kumimoji="0" normalizeH="0">
+      <a:defRPr kumimoji="0" sz="1800" b="0" i="0" u="none" strike="noStrike" cap="none" spc="0" normalizeH="0" baseline="0">
         <a:ln>
           <a:noFill/>
         </a:ln>
@@ -179,7 +179,7 @@
       <a:buFontTx/>
       <a:buNone/>
       <a:tabLst/>
-      <a:defRPr b="0" baseline="0" cap="none" i="0" spc="0" strike="noStrike" sz="1800" u="none" kumimoji="0" normalizeH="0">
+      <a:defRPr kumimoji="0" sz="1800" b="0" i="0" u="none" strike="noStrike" cap="none" spc="0" normalizeH="0" baseline="0">
         <a:ln>
           <a:noFill/>
         </a:ln>
@@ -209,7 +209,7 @@
       <a:buFontTx/>
       <a:buNone/>
       <a:tabLst/>
-      <a:defRPr b="0" baseline="0" cap="none" i="0" spc="0" strike="noStrike" sz="1800" u="none" kumimoji="0" normalizeH="0">
+      <a:defRPr kumimoji="0" sz="1800" b="0" i="0" u="none" strike="noStrike" cap="none" spc="0" normalizeH="0" baseline="0">
         <a:ln>
           <a:noFill/>
         </a:ln>
@@ -239,7 +239,7 @@
       <a:buFontTx/>
       <a:buNone/>
       <a:tabLst/>
-      <a:defRPr b="0" baseline="0" cap="none" i="0" spc="0" strike="noStrike" sz="1800" u="none" kumimoji="0" normalizeH="0">
+      <a:defRPr kumimoji="0" sz="1800" b="0" i="0" u="none" strike="noStrike" cap="none" spc="0" normalizeH="0" baseline="0">
         <a:ln>
           <a:noFill/>
         </a:ln>
@@ -269,7 +269,7 @@
       <a:buFontTx/>
       <a:buNone/>
       <a:tabLst/>
-      <a:defRPr b="0" baseline="0" cap="none" i="0" spc="0" strike="noStrike" sz="1800" u="none" kumimoji="0" normalizeH="0">
+      <a:defRPr kumimoji="0" sz="1800" b="0" i="0" u="none" strike="noStrike" cap="none" spc="0" normalizeH="0" baseline="0">
         <a:ln>
           <a:noFill/>
         </a:ln>
@@ -299,7 +299,7 @@
       <a:buFontTx/>
       <a:buNone/>
       <a:tabLst/>
-      <a:defRPr b="0" baseline="0" cap="none" i="0" spc="0" strike="noStrike" sz="1800" u="none" kumimoji="0" normalizeH="0">
+      <a:defRPr kumimoji="0" sz="1800" b="0" i="0" u="none" strike="noStrike" cap="none" spc="0" normalizeH="0" baseline="0">
         <a:ln>
           <a:noFill/>
         </a:ln>
@@ -336,6 +336,11 @@
 <file path=ppt/notesMasters/notesMaster1.xml><?xml version="1.0" encoding="utf-8"?>
 <p:notesMaster xmlns:a="http://schemas.openxmlformats.org/drawingml/2006/main" xmlns:r="http://schemas.openxmlformats.org/officeDocument/2006/relationships" xmlns:p="http://schemas.openxmlformats.org/presentationml/2006/main">
   <p:cSld>
+    <p:bg>
+      <p:bgRef idx="1001">
+        <a:schemeClr val="bg1"/>
+      </p:bgRef>
+    </p:bg>
     <p:spTree>
       <p:nvGrpSpPr>
         <p:cNvPr id="1" name=""/>
@@ -353,7 +358,9 @@
       <p:sp>
         <p:nvSpPr>
           <p:cNvPr id="109" name="Shape 109"/>
-          <p:cNvSpPr/>
+          <p:cNvSpPr>
+            <a:spLocks noGrp="1" noRot="1" noChangeAspect="1"/>
+          </p:cNvSpPr>
           <p:nvPr>
             <p:ph type="sldImg"/>
           </p:nvPr>
@@ -371,14 +378,16 @@
           <a:bodyPr/>
           <a:lstStyle/>
           <a:p>
-            <a:pPr/>
+            <a:endParaRPr/>
           </a:p>
         </p:txBody>
       </p:sp>
       <p:sp>
         <p:nvSpPr>
           <p:cNvPr id="110" name="Shape 110"/>
-          <p:cNvSpPr/>
+          <p:cNvSpPr>
+            <a:spLocks noGrp="1"/>
+          </p:cNvSpPr>
           <p:nvPr>
             <p:ph type="body" sz="quarter" idx="1"/>
           </p:nvPr>
@@ -396,11 +405,16 @@
           <a:bodyPr/>
           <a:lstStyle/>
           <a:p>
-            <a:pPr/>
+            <a:endParaRPr/>
           </a:p>
         </p:txBody>
       </p:sp>
     </p:spTree>
+    <p:extLst>
+      <p:ext uri="{BB962C8B-B14F-4D97-AF65-F5344CB8AC3E}">
+        <p14:creationId xmlns:p14="http://schemas.microsoft.com/office/powerpoint/2010/main" val="2715627006"/>
+      </p:ext>
+    </p:extLst>
   </p:cSld>
   <p:clrMap bg1="lt1" tx1="dk1" bg2="lt2" tx2="dk2" accent1="accent1" accent2="accent2" accent3="accent3" accent4="accent4" accent5="accent5" accent6="accent6" hlink="hlink" folHlink="folHlink"/>
   <p:notesStyle>
@@ -481,7 +495,7 @@
 </file>
 
 <file path=ppt/slideLayouts/slideLayout1.xml><?xml version="1.0" encoding="utf-8"?>
-<p:sldLayout xmlns:a="http://schemas.openxmlformats.org/drawingml/2006/main" xmlns:r="http://schemas.openxmlformats.org/officeDocument/2006/relationships" xmlns:p="http://schemas.openxmlformats.org/presentationml/2006/main" type="title" showMasterSp="1" showMasterPhAnim="1">
+<p:sldLayout xmlns:a="http://schemas.openxmlformats.org/drawingml/2006/main" xmlns:r="http://schemas.openxmlformats.org/officeDocument/2006/relationships" xmlns:p="http://schemas.openxmlformats.org/presentationml/2006/main" type="title">
   <p:cSld name="Title Slide">
     <p:spTree>
       <p:nvGrpSpPr>
@@ -500,7 +514,9 @@
       <p:sp>
         <p:nvSpPr>
           <p:cNvPr id="11" name="Shape 11"/>
-          <p:cNvSpPr/>
+          <p:cNvSpPr>
+            <a:spLocks noGrp="1"/>
+          </p:cNvSpPr>
           <p:nvPr>
             <p:ph type="title"/>
           </p:nvPr>
@@ -522,7 +538,6 @@
             </a:lvl1pPr>
           </a:lstStyle>
           <a:p>
-            <a:pPr/>
             <a:r>
               <a:t>Click to edit Master title style</a:t>
             </a:r>
@@ -532,7 +547,9 @@
       <p:sp>
         <p:nvSpPr>
           <p:cNvPr id="12" name="Shape 12"/>
-          <p:cNvSpPr/>
+          <p:cNvSpPr>
+            <a:spLocks noGrp="1"/>
+          </p:cNvSpPr>
           <p:nvPr>
             <p:ph type="body" sz="quarter" idx="1"/>
           </p:nvPr>
@@ -557,7 +574,6 @@
             </a:lvl1pPr>
           </a:lstStyle>
           <a:p>
-            <a:pPr/>
             <a:r>
               <a:t>Click to edit Master subtitle style</a:t>
             </a:r>
@@ -567,7 +583,9 @@
       <p:sp>
         <p:nvSpPr>
           <p:cNvPr id="13" name="Shape 13"/>
-          <p:cNvSpPr/>
+          <p:cNvSpPr>
+            <a:spLocks noGrp="1"/>
+          </p:cNvSpPr>
           <p:nvPr>
             <p:ph type="sldNum" sz="quarter" idx="2"/>
           </p:nvPr>
@@ -581,8 +599,10 @@
           <a:bodyPr/>
           <a:lstStyle/>
           <a:p>
-            <a:pPr/>
-            <a:fld id="{86CB4B4D-7CA3-9044-876B-883B54F8677D}" type="slidenum"/>
+            <a:fld id="{86CB4B4D-7CA3-9044-876B-883B54F8677D}" type="slidenum">
+              <a:t>‹#›</a:t>
+            </a:fld>
+            <a:endParaRPr/>
           </a:p>
         </p:txBody>
       </p:sp>
@@ -591,12 +611,12 @@
   <p:clrMapOvr>
     <a:masterClrMapping/>
   </p:clrMapOvr>
-  <p:transition xmlns:p14="http://schemas.microsoft.com/office/powerpoint/2010/main" spd="med" advClick="1"/>
+  <p:transition spd="med"/>
 </p:sldLayout>
 </file>
 
 <file path=ppt/slideLayouts/slideLayout10.xml><?xml version="1.0" encoding="utf-8"?>
-<p:sldLayout xmlns:a="http://schemas.openxmlformats.org/drawingml/2006/main" xmlns:r="http://schemas.openxmlformats.org/officeDocument/2006/relationships" xmlns:p="http://schemas.openxmlformats.org/presentationml/2006/main" type="tx" showMasterSp="1" showMasterPhAnim="1">
+<p:sldLayout xmlns:a="http://schemas.openxmlformats.org/drawingml/2006/main" xmlns:r="http://schemas.openxmlformats.org/officeDocument/2006/relationships" xmlns:p="http://schemas.openxmlformats.org/presentationml/2006/main" type="tx">
   <p:cSld name="Title and Vertical Text">
     <p:spTree>
       <p:nvGrpSpPr>
@@ -615,7 +635,9 @@
       <p:sp>
         <p:nvSpPr>
           <p:cNvPr id="92" name="Shape 92"/>
-          <p:cNvSpPr/>
+          <p:cNvSpPr>
+            <a:spLocks noGrp="1"/>
+          </p:cNvSpPr>
           <p:nvPr>
             <p:ph type="title"/>
           </p:nvPr>
@@ -629,7 +651,6 @@
           <a:bodyPr/>
           <a:lstStyle/>
           <a:p>
-            <a:pPr/>
             <a:r>
               <a:t>Click to edit Master title style</a:t>
             </a:r>
@@ -639,7 +660,9 @@
       <p:sp>
         <p:nvSpPr>
           <p:cNvPr id="93" name="Shape 93"/>
-          <p:cNvSpPr/>
+          <p:cNvSpPr>
+            <a:spLocks noGrp="1"/>
+          </p:cNvSpPr>
           <p:nvPr>
             <p:ph type="body" idx="1"/>
           </p:nvPr>
@@ -653,7 +676,6 @@
           <a:bodyPr/>
           <a:lstStyle/>
           <a:p>
-            <a:pPr/>
             <a:r>
               <a:t>Click to edit Master text styles</a:t>
             </a:r>
@@ -687,7 +709,9 @@
       <p:sp>
         <p:nvSpPr>
           <p:cNvPr id="94" name="Shape 94"/>
-          <p:cNvSpPr/>
+          <p:cNvSpPr>
+            <a:spLocks noGrp="1"/>
+          </p:cNvSpPr>
           <p:nvPr>
             <p:ph type="sldNum" sz="quarter" idx="2"/>
           </p:nvPr>
@@ -701,8 +725,10 @@
           <a:bodyPr/>
           <a:lstStyle/>
           <a:p>
-            <a:pPr/>
-            <a:fld id="{86CB4B4D-7CA3-9044-876B-883B54F8677D}" type="slidenum"/>
+            <a:fld id="{86CB4B4D-7CA3-9044-876B-883B54F8677D}" type="slidenum">
+              <a:t>‹#›</a:t>
+            </a:fld>
+            <a:endParaRPr/>
           </a:p>
         </p:txBody>
       </p:sp>
@@ -711,12 +737,12 @@
   <p:clrMapOvr>
     <a:masterClrMapping/>
   </p:clrMapOvr>
-  <p:transition xmlns:p14="http://schemas.microsoft.com/office/powerpoint/2010/main" spd="med" advClick="1"/>
+  <p:transition spd="med"/>
 </p:sldLayout>
 </file>
 
 <file path=ppt/slideLayouts/slideLayout11.xml><?xml version="1.0" encoding="utf-8"?>
-<p:sldLayout xmlns:a="http://schemas.openxmlformats.org/drawingml/2006/main" xmlns:r="http://schemas.openxmlformats.org/officeDocument/2006/relationships" xmlns:p="http://schemas.openxmlformats.org/presentationml/2006/main" type="tx" showMasterSp="1" showMasterPhAnim="1">
+<p:sldLayout xmlns:a="http://schemas.openxmlformats.org/drawingml/2006/main" xmlns:r="http://schemas.openxmlformats.org/officeDocument/2006/relationships" xmlns:p="http://schemas.openxmlformats.org/presentationml/2006/main" type="tx">
   <p:cSld name="Vertical Title and Text">
     <p:spTree>
       <p:nvGrpSpPr>
@@ -735,7 +761,9 @@
       <p:sp>
         <p:nvSpPr>
           <p:cNvPr id="101" name="Shape 101"/>
-          <p:cNvSpPr/>
+          <p:cNvSpPr>
+            <a:spLocks noGrp="1"/>
+          </p:cNvSpPr>
           <p:nvPr>
             <p:ph type="title"/>
           </p:nvPr>
@@ -753,7 +781,6 @@
           <a:bodyPr/>
           <a:lstStyle/>
           <a:p>
-            <a:pPr/>
             <a:r>
               <a:t>Click to edit Master title style</a:t>
             </a:r>
@@ -763,7 +790,9 @@
       <p:sp>
         <p:nvSpPr>
           <p:cNvPr id="102" name="Shape 102"/>
-          <p:cNvSpPr/>
+          <p:cNvSpPr>
+            <a:spLocks noGrp="1"/>
+          </p:cNvSpPr>
           <p:nvPr>
             <p:ph type="body" idx="1"/>
           </p:nvPr>
@@ -781,7 +810,6 @@
           <a:bodyPr/>
           <a:lstStyle/>
           <a:p>
-            <a:pPr/>
             <a:r>
               <a:t>Click to edit Master text styles</a:t>
             </a:r>
@@ -815,7 +843,9 @@
       <p:sp>
         <p:nvSpPr>
           <p:cNvPr id="103" name="Shape 103"/>
-          <p:cNvSpPr/>
+          <p:cNvSpPr>
+            <a:spLocks noGrp="1"/>
+          </p:cNvSpPr>
           <p:nvPr>
             <p:ph type="sldNum" sz="quarter" idx="2"/>
           </p:nvPr>
@@ -829,8 +859,10 @@
           <a:bodyPr/>
           <a:lstStyle/>
           <a:p>
-            <a:pPr/>
-            <a:fld id="{86CB4B4D-7CA3-9044-876B-883B54F8677D}" type="slidenum"/>
+            <a:fld id="{86CB4B4D-7CA3-9044-876B-883B54F8677D}" type="slidenum">
+              <a:t>‹#›</a:t>
+            </a:fld>
+            <a:endParaRPr/>
           </a:p>
         </p:txBody>
       </p:sp>
@@ -839,12 +871,12 @@
   <p:clrMapOvr>
     <a:masterClrMapping/>
   </p:clrMapOvr>
-  <p:transition xmlns:p14="http://schemas.microsoft.com/office/powerpoint/2010/main" spd="med" advClick="1"/>
+  <p:transition spd="med"/>
 </p:sldLayout>
 </file>
 
 <file path=ppt/slideLayouts/slideLayout2.xml><?xml version="1.0" encoding="utf-8"?>
-<p:sldLayout xmlns:a="http://schemas.openxmlformats.org/drawingml/2006/main" xmlns:r="http://schemas.openxmlformats.org/officeDocument/2006/relationships" xmlns:p="http://schemas.openxmlformats.org/presentationml/2006/main" type="tx" showMasterSp="1" showMasterPhAnim="1">
+<p:sldLayout xmlns:a="http://schemas.openxmlformats.org/drawingml/2006/main" xmlns:r="http://schemas.openxmlformats.org/officeDocument/2006/relationships" xmlns:p="http://schemas.openxmlformats.org/presentationml/2006/main" type="tx">
   <p:cSld name="Title and Content">
     <p:spTree>
       <p:nvGrpSpPr>
@@ -863,7 +895,9 @@
       <p:sp>
         <p:nvSpPr>
           <p:cNvPr id="20" name="Shape 20"/>
-          <p:cNvSpPr/>
+          <p:cNvSpPr>
+            <a:spLocks noGrp="1"/>
+          </p:cNvSpPr>
           <p:nvPr>
             <p:ph type="title"/>
           </p:nvPr>
@@ -877,7 +911,6 @@
           <a:bodyPr/>
           <a:lstStyle/>
           <a:p>
-            <a:pPr/>
             <a:r>
               <a:t>Click to edit Master title style</a:t>
             </a:r>
@@ -887,7 +920,9 @@
       <p:sp>
         <p:nvSpPr>
           <p:cNvPr id="21" name="Shape 21"/>
-          <p:cNvSpPr/>
+          <p:cNvSpPr>
+            <a:spLocks noGrp="1"/>
+          </p:cNvSpPr>
           <p:nvPr>
             <p:ph type="body" idx="1"/>
           </p:nvPr>
@@ -901,7 +936,6 @@
           <a:bodyPr/>
           <a:lstStyle/>
           <a:p>
-            <a:pPr/>
             <a:r>
               <a:t>Click to edit Master text styles</a:t>
             </a:r>
@@ -935,7 +969,9 @@
       <p:sp>
         <p:nvSpPr>
           <p:cNvPr id="22" name="Shape 22"/>
-          <p:cNvSpPr/>
+          <p:cNvSpPr>
+            <a:spLocks noGrp="1"/>
+          </p:cNvSpPr>
           <p:nvPr>
             <p:ph type="sldNum" sz="quarter" idx="2"/>
           </p:nvPr>
@@ -949,8 +985,10 @@
           <a:bodyPr/>
           <a:lstStyle/>
           <a:p>
-            <a:pPr/>
-            <a:fld id="{86CB4B4D-7CA3-9044-876B-883B54F8677D}" type="slidenum"/>
+            <a:fld id="{86CB4B4D-7CA3-9044-876B-883B54F8677D}" type="slidenum">
+              <a:t>‹#›</a:t>
+            </a:fld>
+            <a:endParaRPr/>
           </a:p>
         </p:txBody>
       </p:sp>
@@ -959,12 +997,12 @@
   <p:clrMapOvr>
     <a:masterClrMapping/>
   </p:clrMapOvr>
-  <p:transition xmlns:p14="http://schemas.microsoft.com/office/powerpoint/2010/main" spd="med" advClick="1"/>
+  <p:transition spd="med"/>
 </p:sldLayout>
 </file>
 
 <file path=ppt/slideLayouts/slideLayout3.xml><?xml version="1.0" encoding="utf-8"?>
-<p:sldLayout xmlns:a="http://schemas.openxmlformats.org/drawingml/2006/main" xmlns:r="http://schemas.openxmlformats.org/officeDocument/2006/relationships" xmlns:p="http://schemas.openxmlformats.org/presentationml/2006/main" type="tx" showMasterSp="1" showMasterPhAnim="1">
+<p:sldLayout xmlns:a="http://schemas.openxmlformats.org/drawingml/2006/main" xmlns:r="http://schemas.openxmlformats.org/officeDocument/2006/relationships" xmlns:p="http://schemas.openxmlformats.org/presentationml/2006/main" type="tx">
   <p:cSld name="Section Header">
     <p:spTree>
       <p:nvGrpSpPr>
@@ -983,7 +1021,9 @@
       <p:sp>
         <p:nvSpPr>
           <p:cNvPr id="29" name="Shape 29"/>
-          <p:cNvSpPr/>
+          <p:cNvSpPr>
+            <a:spLocks noGrp="1"/>
+          </p:cNvSpPr>
           <p:nvPr>
             <p:ph type="title"/>
           </p:nvPr>
@@ -1005,7 +1045,6 @@
             </a:lvl1pPr>
           </a:lstStyle>
           <a:p>
-            <a:pPr/>
             <a:r>
               <a:t>Click to edit Master title style</a:t>
             </a:r>
@@ -1015,7 +1054,9 @@
       <p:sp>
         <p:nvSpPr>
           <p:cNvPr id="30" name="Shape 30"/>
-          <p:cNvSpPr/>
+          <p:cNvSpPr>
+            <a:spLocks noGrp="1"/>
+          </p:cNvSpPr>
           <p:nvPr>
             <p:ph type="body" sz="quarter" idx="1"/>
           </p:nvPr>
@@ -1044,7 +1085,6 @@
             </a:lvl1pPr>
           </a:lstStyle>
           <a:p>
-            <a:pPr/>
             <a:r>
               <a:t>Click to edit Master text styles</a:t>
             </a:r>
@@ -1054,7 +1094,9 @@
       <p:sp>
         <p:nvSpPr>
           <p:cNvPr id="31" name="Shape 31"/>
-          <p:cNvSpPr/>
+          <p:cNvSpPr>
+            <a:spLocks noGrp="1"/>
+          </p:cNvSpPr>
           <p:nvPr>
             <p:ph type="sldNum" sz="quarter" idx="2"/>
           </p:nvPr>
@@ -1068,8 +1110,10 @@
           <a:bodyPr/>
           <a:lstStyle/>
           <a:p>
-            <a:pPr/>
-            <a:fld id="{86CB4B4D-7CA3-9044-876B-883B54F8677D}" type="slidenum"/>
+            <a:fld id="{86CB4B4D-7CA3-9044-876B-883B54F8677D}" type="slidenum">
+              <a:t>‹#›</a:t>
+            </a:fld>
+            <a:endParaRPr/>
           </a:p>
         </p:txBody>
       </p:sp>
@@ -1078,12 +1122,12 @@
   <p:clrMapOvr>
     <a:masterClrMapping/>
   </p:clrMapOvr>
-  <p:transition xmlns:p14="http://schemas.microsoft.com/office/powerpoint/2010/main" spd="med" advClick="1"/>
+  <p:transition spd="med"/>
 </p:sldLayout>
 </file>
 
 <file path=ppt/slideLayouts/slideLayout4.xml><?xml version="1.0" encoding="utf-8"?>
-<p:sldLayout xmlns:a="http://schemas.openxmlformats.org/drawingml/2006/main" xmlns:r="http://schemas.openxmlformats.org/officeDocument/2006/relationships" xmlns:p="http://schemas.openxmlformats.org/presentationml/2006/main" type="tx" showMasterSp="1" showMasterPhAnim="1">
+<p:sldLayout xmlns:a="http://schemas.openxmlformats.org/drawingml/2006/main" xmlns:r="http://schemas.openxmlformats.org/officeDocument/2006/relationships" xmlns:p="http://schemas.openxmlformats.org/presentationml/2006/main" type="tx">
   <p:cSld name="Two Content">
     <p:spTree>
       <p:nvGrpSpPr>
@@ -1102,7 +1146,9 @@
       <p:sp>
         <p:nvSpPr>
           <p:cNvPr id="38" name="Shape 38"/>
-          <p:cNvSpPr/>
+          <p:cNvSpPr>
+            <a:spLocks noGrp="1"/>
+          </p:cNvSpPr>
           <p:nvPr>
             <p:ph type="title"/>
           </p:nvPr>
@@ -1116,7 +1162,6 @@
           <a:bodyPr/>
           <a:lstStyle/>
           <a:p>
-            <a:pPr/>
             <a:r>
               <a:t>Click to edit Master title style</a:t>
             </a:r>
@@ -1126,7 +1171,9 @@
       <p:sp>
         <p:nvSpPr>
           <p:cNvPr id="39" name="Shape 39"/>
-          <p:cNvSpPr/>
+          <p:cNvSpPr>
+            <a:spLocks noGrp="1"/>
+          </p:cNvSpPr>
           <p:nvPr>
             <p:ph type="body" sz="half" idx="1"/>
           </p:nvPr>
@@ -1144,7 +1191,6 @@
           <a:bodyPr/>
           <a:lstStyle/>
           <a:p>
-            <a:pPr/>
             <a:r>
               <a:t>Click to edit Master text styles</a:t>
             </a:r>
@@ -1178,7 +1224,9 @@
       <p:sp>
         <p:nvSpPr>
           <p:cNvPr id="40" name="Shape 40"/>
-          <p:cNvSpPr/>
+          <p:cNvSpPr>
+            <a:spLocks noGrp="1"/>
+          </p:cNvSpPr>
           <p:nvPr>
             <p:ph type="sldNum" sz="quarter" idx="2"/>
           </p:nvPr>
@@ -1192,8 +1240,10 @@
           <a:bodyPr/>
           <a:lstStyle/>
           <a:p>
-            <a:pPr/>
-            <a:fld id="{86CB4B4D-7CA3-9044-876B-883B54F8677D}" type="slidenum"/>
+            <a:fld id="{86CB4B4D-7CA3-9044-876B-883B54F8677D}" type="slidenum">
+              <a:t>‹#›</a:t>
+            </a:fld>
+            <a:endParaRPr/>
           </a:p>
         </p:txBody>
       </p:sp>
@@ -1202,12 +1252,12 @@
   <p:clrMapOvr>
     <a:masterClrMapping/>
   </p:clrMapOvr>
-  <p:transition xmlns:p14="http://schemas.microsoft.com/office/powerpoint/2010/main" spd="med" advClick="1"/>
+  <p:transition spd="med"/>
 </p:sldLayout>
 </file>
 
 <file path=ppt/slideLayouts/slideLayout5.xml><?xml version="1.0" encoding="utf-8"?>
-<p:sldLayout xmlns:a="http://schemas.openxmlformats.org/drawingml/2006/main" xmlns:r="http://schemas.openxmlformats.org/officeDocument/2006/relationships" xmlns:p="http://schemas.openxmlformats.org/presentationml/2006/main" type="tx" showMasterSp="1" showMasterPhAnim="1">
+<p:sldLayout xmlns:a="http://schemas.openxmlformats.org/drawingml/2006/main" xmlns:r="http://schemas.openxmlformats.org/officeDocument/2006/relationships" xmlns:p="http://schemas.openxmlformats.org/presentationml/2006/main" type="tx">
   <p:cSld name="Comparison">
     <p:spTree>
       <p:nvGrpSpPr>
@@ -1226,7 +1276,9 @@
       <p:sp>
         <p:nvSpPr>
           <p:cNvPr id="47" name="Shape 47"/>
-          <p:cNvSpPr/>
+          <p:cNvSpPr>
+            <a:spLocks noGrp="1"/>
+          </p:cNvSpPr>
           <p:nvPr>
             <p:ph type="title"/>
           </p:nvPr>
@@ -1244,7 +1296,6 @@
           <a:bodyPr/>
           <a:lstStyle/>
           <a:p>
-            <a:pPr/>
             <a:r>
               <a:t>Click to edit Master title style</a:t>
             </a:r>
@@ -1254,7 +1305,9 @@
       <p:sp>
         <p:nvSpPr>
           <p:cNvPr id="48" name="Shape 48"/>
-          <p:cNvSpPr/>
+          <p:cNvSpPr>
+            <a:spLocks noGrp="1"/>
+          </p:cNvSpPr>
           <p:nvPr>
             <p:ph type="body" sz="quarter" idx="1"/>
           </p:nvPr>
@@ -1275,11 +1328,10 @@
               <a:buSzTx/>
               <a:buFontTx/>
               <a:buNone/>
-              <a:defRPr b="1" sz="2400"/>
+              <a:defRPr sz="2400" b="1"/>
             </a:lvl1pPr>
           </a:lstStyle>
           <a:p>
-            <a:pPr/>
             <a:r>
               <a:t>Click to edit Master text styles</a:t>
             </a:r>
@@ -1289,7 +1341,9 @@
       <p:sp>
         <p:nvSpPr>
           <p:cNvPr id="49" name="Shape 49"/>
-          <p:cNvSpPr/>
+          <p:cNvSpPr>
+            <a:spLocks noGrp="1"/>
+          </p:cNvSpPr>
           <p:nvPr>
             <p:ph type="body" sz="quarter" idx="13"/>
           </p:nvPr>
@@ -1311,15 +1365,18 @@
               <a:buSzTx/>
               <a:buFontTx/>
               <a:buNone/>
-              <a:defRPr b="1" sz="2400"/>
+              <a:defRPr sz="2400" b="1"/>
             </a:pPr>
+            <a:endParaRPr/>
           </a:p>
         </p:txBody>
       </p:sp>
       <p:sp>
         <p:nvSpPr>
           <p:cNvPr id="50" name="Shape 50"/>
-          <p:cNvSpPr/>
+          <p:cNvSpPr>
+            <a:spLocks noGrp="1"/>
+          </p:cNvSpPr>
           <p:nvPr>
             <p:ph type="sldNum" sz="quarter" idx="2"/>
           </p:nvPr>
@@ -1333,8 +1390,10 @@
           <a:bodyPr/>
           <a:lstStyle/>
           <a:p>
-            <a:pPr/>
-            <a:fld id="{86CB4B4D-7CA3-9044-876B-883B54F8677D}" type="slidenum"/>
+            <a:fld id="{86CB4B4D-7CA3-9044-876B-883B54F8677D}" type="slidenum">
+              <a:t>‹#›</a:t>
+            </a:fld>
+            <a:endParaRPr/>
           </a:p>
         </p:txBody>
       </p:sp>
@@ -1343,12 +1402,12 @@
   <p:clrMapOvr>
     <a:masterClrMapping/>
   </p:clrMapOvr>
-  <p:transition xmlns:p14="http://schemas.microsoft.com/office/powerpoint/2010/main" spd="med" advClick="1"/>
+  <p:transition spd="med"/>
 </p:sldLayout>
 </file>
 
 <file path=ppt/slideLayouts/slideLayout6.xml><?xml version="1.0" encoding="utf-8"?>
-<p:sldLayout xmlns:a="http://schemas.openxmlformats.org/drawingml/2006/main" xmlns:r="http://schemas.openxmlformats.org/officeDocument/2006/relationships" xmlns:p="http://schemas.openxmlformats.org/presentationml/2006/main" type="tx" showMasterSp="1" showMasterPhAnim="1">
+<p:sldLayout xmlns:a="http://schemas.openxmlformats.org/drawingml/2006/main" xmlns:r="http://schemas.openxmlformats.org/officeDocument/2006/relationships" xmlns:p="http://schemas.openxmlformats.org/presentationml/2006/main" type="tx">
   <p:cSld name="Title Only">
     <p:spTree>
       <p:nvGrpSpPr>
@@ -1367,7 +1426,9 @@
       <p:sp>
         <p:nvSpPr>
           <p:cNvPr id="57" name="Shape 57"/>
-          <p:cNvSpPr/>
+          <p:cNvSpPr>
+            <a:spLocks noGrp="1"/>
+          </p:cNvSpPr>
           <p:nvPr>
             <p:ph type="title"/>
           </p:nvPr>
@@ -1381,7 +1442,6 @@
           <a:bodyPr/>
           <a:lstStyle/>
           <a:p>
-            <a:pPr/>
             <a:r>
               <a:t>Click to edit Master title style</a:t>
             </a:r>
@@ -1391,7 +1451,9 @@
       <p:sp>
         <p:nvSpPr>
           <p:cNvPr id="58" name="Shape 58"/>
-          <p:cNvSpPr/>
+          <p:cNvSpPr>
+            <a:spLocks noGrp="1"/>
+          </p:cNvSpPr>
           <p:nvPr>
             <p:ph type="sldNum" sz="quarter" idx="2"/>
           </p:nvPr>
@@ -1405,8 +1467,10 @@
           <a:bodyPr/>
           <a:lstStyle/>
           <a:p>
-            <a:pPr/>
-            <a:fld id="{86CB4B4D-7CA3-9044-876B-883B54F8677D}" type="slidenum"/>
+            <a:fld id="{86CB4B4D-7CA3-9044-876B-883B54F8677D}" type="slidenum">
+              <a:t>‹#›</a:t>
+            </a:fld>
+            <a:endParaRPr/>
           </a:p>
         </p:txBody>
       </p:sp>
@@ -1415,12 +1479,12 @@
   <p:clrMapOvr>
     <a:masterClrMapping/>
   </p:clrMapOvr>
-  <p:transition xmlns:p14="http://schemas.microsoft.com/office/powerpoint/2010/main" spd="med" advClick="1"/>
+  <p:transition spd="med"/>
 </p:sldLayout>
 </file>
 
 <file path=ppt/slideLayouts/slideLayout7.xml><?xml version="1.0" encoding="utf-8"?>
-<p:sldLayout xmlns:a="http://schemas.openxmlformats.org/drawingml/2006/main" xmlns:r="http://schemas.openxmlformats.org/officeDocument/2006/relationships" xmlns:p="http://schemas.openxmlformats.org/presentationml/2006/main" type="tx" showMasterSp="1" showMasterPhAnim="1">
+<p:sldLayout xmlns:a="http://schemas.openxmlformats.org/drawingml/2006/main" xmlns:r="http://schemas.openxmlformats.org/officeDocument/2006/relationships" xmlns:p="http://schemas.openxmlformats.org/presentationml/2006/main" type="tx">
   <p:cSld name="Blank">
     <p:spTree>
       <p:nvGrpSpPr>
@@ -1439,7 +1503,9 @@
       <p:sp>
         <p:nvSpPr>
           <p:cNvPr id="65" name="Shape 65"/>
-          <p:cNvSpPr/>
+          <p:cNvSpPr>
+            <a:spLocks noGrp="1"/>
+          </p:cNvSpPr>
           <p:nvPr>
             <p:ph type="sldNum" sz="quarter" idx="2"/>
           </p:nvPr>
@@ -1453,8 +1519,10 @@
           <a:bodyPr/>
           <a:lstStyle/>
           <a:p>
-            <a:pPr/>
-            <a:fld id="{86CB4B4D-7CA3-9044-876B-883B54F8677D}" type="slidenum"/>
+            <a:fld id="{86CB4B4D-7CA3-9044-876B-883B54F8677D}" type="slidenum">
+              <a:t>‹#›</a:t>
+            </a:fld>
+            <a:endParaRPr/>
           </a:p>
         </p:txBody>
       </p:sp>
@@ -1463,12 +1531,12 @@
   <p:clrMapOvr>
     <a:masterClrMapping/>
   </p:clrMapOvr>
-  <p:transition xmlns:p14="http://schemas.microsoft.com/office/powerpoint/2010/main" spd="med" advClick="1"/>
+  <p:transition spd="med"/>
 </p:sldLayout>
 </file>
 
 <file path=ppt/slideLayouts/slideLayout8.xml><?xml version="1.0" encoding="utf-8"?>
-<p:sldLayout xmlns:a="http://schemas.openxmlformats.org/drawingml/2006/main" xmlns:r="http://schemas.openxmlformats.org/officeDocument/2006/relationships" xmlns:p="http://schemas.openxmlformats.org/presentationml/2006/main" type="tx" showMasterSp="1" showMasterPhAnim="1">
+<p:sldLayout xmlns:a="http://schemas.openxmlformats.org/drawingml/2006/main" xmlns:r="http://schemas.openxmlformats.org/officeDocument/2006/relationships" xmlns:p="http://schemas.openxmlformats.org/presentationml/2006/main" type="tx">
   <p:cSld name="Content with Caption">
     <p:spTree>
       <p:nvGrpSpPr>
@@ -1487,7 +1555,9 @@
       <p:sp>
         <p:nvSpPr>
           <p:cNvPr id="72" name="Shape 72"/>
-          <p:cNvSpPr/>
+          <p:cNvSpPr>
+            <a:spLocks noGrp="1"/>
+          </p:cNvSpPr>
           <p:nvPr>
             <p:ph type="title"/>
           </p:nvPr>
@@ -1509,7 +1579,6 @@
             </a:lvl1pPr>
           </a:lstStyle>
           <a:p>
-            <a:pPr/>
             <a:r>
               <a:t>Click to edit Master title style</a:t>
             </a:r>
@@ -1519,7 +1588,9 @@
       <p:sp>
         <p:nvSpPr>
           <p:cNvPr id="73" name="Shape 73"/>
-          <p:cNvSpPr/>
+          <p:cNvSpPr>
+            <a:spLocks noGrp="1"/>
+          </p:cNvSpPr>
           <p:nvPr>
             <p:ph type="body" sz="half" idx="1"/>
           </p:nvPr>
@@ -1553,7 +1624,6 @@
             </a:lvl5pPr>
           </a:lstStyle>
           <a:p>
-            <a:pPr/>
             <a:r>
               <a:t>Click to edit Master text styles</a:t>
             </a:r>
@@ -1587,7 +1657,9 @@
       <p:sp>
         <p:nvSpPr>
           <p:cNvPr id="74" name="Shape 74"/>
-          <p:cNvSpPr/>
+          <p:cNvSpPr>
+            <a:spLocks noGrp="1"/>
+          </p:cNvSpPr>
           <p:nvPr>
             <p:ph type="body" sz="quarter" idx="13"/>
           </p:nvPr>
@@ -1611,13 +1683,16 @@
               <a:buNone/>
               <a:defRPr sz="1600"/>
             </a:pPr>
+            <a:endParaRPr/>
           </a:p>
         </p:txBody>
       </p:sp>
       <p:sp>
         <p:nvSpPr>
           <p:cNvPr id="75" name="Shape 75"/>
-          <p:cNvSpPr/>
+          <p:cNvSpPr>
+            <a:spLocks noGrp="1"/>
+          </p:cNvSpPr>
           <p:nvPr>
             <p:ph type="sldNum" sz="quarter" idx="2"/>
           </p:nvPr>
@@ -1631,8 +1706,10 @@
           <a:bodyPr/>
           <a:lstStyle/>
           <a:p>
-            <a:pPr/>
-            <a:fld id="{86CB4B4D-7CA3-9044-876B-883B54F8677D}" type="slidenum"/>
+            <a:fld id="{86CB4B4D-7CA3-9044-876B-883B54F8677D}" type="slidenum">
+              <a:t>‹#›</a:t>
+            </a:fld>
+            <a:endParaRPr/>
           </a:p>
         </p:txBody>
       </p:sp>
@@ -1641,12 +1718,12 @@
   <p:clrMapOvr>
     <a:masterClrMapping/>
   </p:clrMapOvr>
-  <p:transition xmlns:p14="http://schemas.microsoft.com/office/powerpoint/2010/main" spd="med" advClick="1"/>
+  <p:transition spd="med"/>
 </p:sldLayout>
 </file>
 
 <file path=ppt/slideLayouts/slideLayout9.xml><?xml version="1.0" encoding="utf-8"?>
-<p:sldLayout xmlns:a="http://schemas.openxmlformats.org/drawingml/2006/main" xmlns:r="http://schemas.openxmlformats.org/officeDocument/2006/relationships" xmlns:p="http://schemas.openxmlformats.org/presentationml/2006/main" type="tx" showMasterSp="1" showMasterPhAnim="1">
+<p:sldLayout xmlns:a="http://schemas.openxmlformats.org/drawingml/2006/main" xmlns:r="http://schemas.openxmlformats.org/officeDocument/2006/relationships" xmlns:p="http://schemas.openxmlformats.org/presentationml/2006/main" type="tx">
   <p:cSld name="Picture with Caption">
     <p:spTree>
       <p:nvGrpSpPr>
@@ -1665,7 +1742,9 @@
       <p:sp>
         <p:nvSpPr>
           <p:cNvPr id="82" name="Shape 82"/>
-          <p:cNvSpPr/>
+          <p:cNvSpPr>
+            <a:spLocks noGrp="1"/>
+          </p:cNvSpPr>
           <p:nvPr>
             <p:ph type="title"/>
           </p:nvPr>
@@ -1687,7 +1766,6 @@
             </a:lvl1pPr>
           </a:lstStyle>
           <a:p>
-            <a:pPr/>
             <a:r>
               <a:t>Click to edit Master title style</a:t>
             </a:r>
@@ -1697,7 +1775,9 @@
       <p:sp>
         <p:nvSpPr>
           <p:cNvPr id="83" name="Shape 83"/>
-          <p:cNvSpPr/>
+          <p:cNvSpPr>
+            <a:spLocks noGrp="1"/>
+          </p:cNvSpPr>
           <p:nvPr>
             <p:ph type="pic" sz="half" idx="13"/>
           </p:nvPr>
@@ -1717,14 +1797,16 @@
           </a:bodyPr>
           <a:lstStyle/>
           <a:p>
-            <a:pPr/>
+            <a:endParaRPr/>
           </a:p>
         </p:txBody>
       </p:sp>
       <p:sp>
         <p:nvSpPr>
           <p:cNvPr id="84" name="Shape 84"/>
-          <p:cNvSpPr/>
+          <p:cNvSpPr>
+            <a:spLocks noGrp="1"/>
+          </p:cNvSpPr>
           <p:nvPr>
             <p:ph type="body" sz="quarter" idx="1"/>
           </p:nvPr>
@@ -1749,7 +1831,6 @@
             </a:lvl1pPr>
           </a:lstStyle>
           <a:p>
-            <a:pPr/>
             <a:r>
               <a:t>Click to edit Master text styles</a:t>
             </a:r>
@@ -1759,7 +1840,9 @@
       <p:sp>
         <p:nvSpPr>
           <p:cNvPr id="85" name="Shape 85"/>
-          <p:cNvSpPr/>
+          <p:cNvSpPr>
+            <a:spLocks noGrp="1"/>
+          </p:cNvSpPr>
           <p:nvPr>
             <p:ph type="sldNum" sz="quarter" idx="2"/>
           </p:nvPr>
@@ -1773,8 +1856,10 @@
           <a:bodyPr/>
           <a:lstStyle/>
           <a:p>
-            <a:pPr/>
-            <a:fld id="{86CB4B4D-7CA3-9044-876B-883B54F8677D}" type="slidenum"/>
+            <a:fld id="{86CB4B4D-7CA3-9044-876B-883B54F8677D}" type="slidenum">
+              <a:t>‹#›</a:t>
+            </a:fld>
+            <a:endParaRPr/>
           </a:p>
         </p:txBody>
       </p:sp>
@@ -1783,7 +1868,7 @@
   <p:clrMapOvr>
     <a:masterClrMapping/>
   </p:clrMapOvr>
-  <p:transition xmlns:p14="http://schemas.microsoft.com/office/powerpoint/2010/main" spd="med" advClick="1"/>
+  <p:transition spd="med"/>
 </p:sldLayout>
 </file>
 
@@ -1795,6 +1880,7 @@
         <a:solidFill>
           <a:srgbClr val="FFFFFF"/>
         </a:solidFill>
+        <a:effectLst/>
       </p:bgPr>
     </p:bg>
     <p:spTree>
@@ -1814,7 +1900,9 @@
       <p:sp>
         <p:nvSpPr>
           <p:cNvPr id="2" name="Shape 2"/>
-          <p:cNvSpPr/>
+          <p:cNvSpPr>
+            <a:spLocks noGrp="1"/>
+          </p:cNvSpPr>
           <p:nvPr>
             <p:ph type="title"/>
           </p:nvPr>
@@ -1832,17 +1920,16 @@
           </a:ln>
           <a:extLst>
             <a:ext uri="{C572A759-6A51-4108-AA02-DFA0A04FC94B}">
-              <ma14:wrappingTextBoxFlag xmlns:ma14="http://schemas.microsoft.com/office/mac/drawingml/2011/main" val="1"/>
+              <ma14:wrappingTextBoxFlag xmlns:ma14="http://schemas.microsoft.com/office/mac/drawingml/2011/main" xmlns="" val="1"/>
             </a:ext>
           </a:extLst>
         </p:spPr>
         <p:txBody>
           <a:bodyPr lIns="45719" rIns="45719" anchor="ctr">
-            <a:normAutofit fontScale="100000" lnSpcReduction="0"/>
+            <a:normAutofit/>
           </a:bodyPr>
           <a:lstStyle/>
           <a:p>
-            <a:pPr/>
             <a:r>
               <a:t>Click to edit Master title style</a:t>
             </a:r>
@@ -1852,7 +1939,9 @@
       <p:sp>
         <p:nvSpPr>
           <p:cNvPr id="3" name="Shape 3"/>
-          <p:cNvSpPr/>
+          <p:cNvSpPr>
+            <a:spLocks noGrp="1"/>
+          </p:cNvSpPr>
           <p:nvPr>
             <p:ph type="body" idx="1"/>
           </p:nvPr>
@@ -1870,17 +1959,16 @@
           </a:ln>
           <a:extLst>
             <a:ext uri="{C572A759-6A51-4108-AA02-DFA0A04FC94B}">
-              <ma14:wrappingTextBoxFlag xmlns:ma14="http://schemas.microsoft.com/office/mac/drawingml/2011/main" val="1"/>
+              <ma14:wrappingTextBoxFlag xmlns:ma14="http://schemas.microsoft.com/office/mac/drawingml/2011/main" xmlns="" val="1"/>
             </a:ext>
           </a:extLst>
         </p:spPr>
         <p:txBody>
           <a:bodyPr lIns="45719" rIns="45719">
-            <a:normAutofit fontScale="100000" lnSpcReduction="0"/>
+            <a:normAutofit/>
           </a:bodyPr>
           <a:lstStyle/>
           <a:p>
-            <a:pPr/>
             <a:r>
               <a:t>Click to edit Master text styles</a:t>
             </a:r>
@@ -1914,7 +2002,9 @@
       <p:sp>
         <p:nvSpPr>
           <p:cNvPr id="4" name="Shape 4"/>
-          <p:cNvSpPr/>
+          <p:cNvSpPr>
+            <a:spLocks noGrp="1"/>
+          </p:cNvSpPr>
           <p:nvPr>
             <p:ph type="sldNum" sz="quarter" idx="2"/>
           </p:nvPr>
@@ -1945,8 +2035,10 @@
             </a:lvl1pPr>
           </a:lstStyle>
           <a:p>
-            <a:pPr/>
-            <a:fld id="{86CB4B4D-7CA3-9044-876B-883B54F8677D}" type="slidenum"/>
+            <a:fld id="{86CB4B4D-7CA3-9044-876B-883B54F8677D}" type="slidenum">
+              <a:t>‹#›</a:t>
+            </a:fld>
+            <a:endParaRPr/>
           </a:p>
         </p:txBody>
       </p:sp>
@@ -1954,19 +2046,19 @@
   </p:cSld>
   <p:clrMap bg1="lt1" tx1="dk1" bg2="lt2" tx2="dk2" accent1="accent1" accent2="accent2" accent3="accent3" accent4="accent4" accent5="accent5" accent6="accent6" hlink="hlink" folHlink="folHlink"/>
   <p:sldLayoutIdLst>
-    <p:sldLayoutId id="2147483649" r:id="rId2"/>
-    <p:sldLayoutId id="2147483650" r:id="rId3"/>
-    <p:sldLayoutId id="2147483651" r:id="rId4"/>
-    <p:sldLayoutId id="2147483652" r:id="rId5"/>
-    <p:sldLayoutId id="2147483653" r:id="rId6"/>
-    <p:sldLayoutId id="2147483654" r:id="rId7"/>
-    <p:sldLayoutId id="2147483655" r:id="rId8"/>
-    <p:sldLayoutId id="2147483656" r:id="rId9"/>
-    <p:sldLayoutId id="2147483657" r:id="rId10"/>
-    <p:sldLayoutId id="2147483658" r:id="rId11"/>
-    <p:sldLayoutId id="2147483659" r:id="rId12"/>
+    <p:sldLayoutId id="2147483649" r:id="rId1"/>
+    <p:sldLayoutId id="2147483650" r:id="rId2"/>
+    <p:sldLayoutId id="2147483651" r:id="rId3"/>
+    <p:sldLayoutId id="2147483652" r:id="rId4"/>
+    <p:sldLayoutId id="2147483653" r:id="rId5"/>
+    <p:sldLayoutId id="2147483654" r:id="rId6"/>
+    <p:sldLayoutId id="2147483655" r:id="rId7"/>
+    <p:sldLayoutId id="2147483656" r:id="rId8"/>
+    <p:sldLayoutId id="2147483657" r:id="rId9"/>
+    <p:sldLayoutId id="2147483658" r:id="rId10"/>
+    <p:sldLayoutId id="2147483659" r:id="rId11"/>
   </p:sldLayoutIdLst>
-  <p:transition xmlns:p14="http://schemas.microsoft.com/office/powerpoint/2010/main" spd="med" advClick="1"/>
+  <p:transition spd="med"/>
   <p:txStyles>
     <p:titleStyle>
       <a:lvl1pPr marL="0" marR="0" indent="0" algn="l" defTabSz="914400" rtl="0" latinLnBrk="0">
@@ -1984,7 +2076,7 @@
         <a:buFontTx/>
         <a:buNone/>
         <a:tabLst/>
-        <a:defRPr b="0" baseline="0" cap="none" i="0" spc="0" strike="noStrike" sz="4400" u="none">
+        <a:defRPr sz="4400" b="0" i="0" u="none" strike="noStrike" cap="none" spc="0" baseline="0">
           <a:ln>
             <a:noFill/>
           </a:ln>
@@ -2013,7 +2105,7 @@
         <a:buFontTx/>
         <a:buNone/>
         <a:tabLst/>
-        <a:defRPr b="0" baseline="0" cap="none" i="0" spc="0" strike="noStrike" sz="4400" u="none">
+        <a:defRPr sz="4400" b="0" i="0" u="none" strike="noStrike" cap="none" spc="0" baseline="0">
           <a:ln>
             <a:noFill/>
           </a:ln>
@@ -2042,7 +2134,7 @@
         <a:buFontTx/>
         <a:buNone/>
         <a:tabLst/>
-        <a:defRPr b="0" baseline="0" cap="none" i="0" spc="0" strike="noStrike" sz="4400" u="none">
+        <a:defRPr sz="4400" b="0" i="0" u="none" strike="noStrike" cap="none" spc="0" baseline="0">
           <a:ln>
             <a:noFill/>
           </a:ln>
@@ -2071,7 +2163,7 @@
         <a:buFontTx/>
         <a:buNone/>
         <a:tabLst/>
-        <a:defRPr b="0" baseline="0" cap="none" i="0" spc="0" strike="noStrike" sz="4400" u="none">
+        <a:defRPr sz="4400" b="0" i="0" u="none" strike="noStrike" cap="none" spc="0" baseline="0">
           <a:ln>
             <a:noFill/>
           </a:ln>
@@ -2100,7 +2192,7 @@
         <a:buFontTx/>
         <a:buNone/>
         <a:tabLst/>
-        <a:defRPr b="0" baseline="0" cap="none" i="0" spc="0" strike="noStrike" sz="4400" u="none">
+        <a:defRPr sz="4400" b="0" i="0" u="none" strike="noStrike" cap="none" spc="0" baseline="0">
           <a:ln>
             <a:noFill/>
           </a:ln>
@@ -2129,7 +2221,7 @@
         <a:buFontTx/>
         <a:buNone/>
         <a:tabLst/>
-        <a:defRPr b="0" baseline="0" cap="none" i="0" spc="0" strike="noStrike" sz="4400" u="none">
+        <a:defRPr sz="4400" b="0" i="0" u="none" strike="noStrike" cap="none" spc="0" baseline="0">
           <a:ln>
             <a:noFill/>
           </a:ln>
@@ -2158,7 +2250,7 @@
         <a:buFontTx/>
         <a:buNone/>
         <a:tabLst/>
-        <a:defRPr b="0" baseline="0" cap="none" i="0" spc="0" strike="noStrike" sz="4400" u="none">
+        <a:defRPr sz="4400" b="0" i="0" u="none" strike="noStrike" cap="none" spc="0" baseline="0">
           <a:ln>
             <a:noFill/>
           </a:ln>
@@ -2187,7 +2279,7 @@
         <a:buFontTx/>
         <a:buNone/>
         <a:tabLst/>
-        <a:defRPr b="0" baseline="0" cap="none" i="0" spc="0" strike="noStrike" sz="4400" u="none">
+        <a:defRPr sz="4400" b="0" i="0" u="none" strike="noStrike" cap="none" spc="0" baseline="0">
           <a:ln>
             <a:noFill/>
           </a:ln>
@@ -2216,7 +2308,7 @@
         <a:buFontTx/>
         <a:buNone/>
         <a:tabLst/>
-        <a:defRPr b="0" baseline="0" cap="none" i="0" spc="0" strike="noStrike" sz="4400" u="none">
+        <a:defRPr sz="4400" b="0" i="0" u="none" strike="noStrike" cap="none" spc="0" baseline="0">
           <a:ln>
             <a:noFill/>
           </a:ln>
@@ -2247,7 +2339,7 @@
         <a:buFont typeface="Arial"/>
         <a:buChar char="•"/>
         <a:tabLst/>
-        <a:defRPr b="0" baseline="0" cap="none" i="0" spc="0" strike="noStrike" sz="2800" u="none">
+        <a:defRPr sz="2800" b="0" i="0" u="none" strike="noStrike" cap="none" spc="0" baseline="0">
           <a:ln>
             <a:noFill/>
           </a:ln>
@@ -2276,7 +2368,7 @@
         <a:buFont typeface="Arial"/>
         <a:buChar char="•"/>
         <a:tabLst/>
-        <a:defRPr b="0" baseline="0" cap="none" i="0" spc="0" strike="noStrike" sz="2800" u="none">
+        <a:defRPr sz="2800" b="0" i="0" u="none" strike="noStrike" cap="none" spc="0" baseline="0">
           <a:ln>
             <a:noFill/>
           </a:ln>
@@ -2305,7 +2397,7 @@
         <a:buFont typeface="Arial"/>
         <a:buChar char="•"/>
         <a:tabLst/>
-        <a:defRPr b="0" baseline="0" cap="none" i="0" spc="0" strike="noStrike" sz="2800" u="none">
+        <a:defRPr sz="2800" b="0" i="0" u="none" strike="noStrike" cap="none" spc="0" baseline="0">
           <a:ln>
             <a:noFill/>
           </a:ln>
@@ -2334,7 +2426,7 @@
         <a:buFont typeface="Arial"/>
         <a:buChar char="•"/>
         <a:tabLst/>
-        <a:defRPr b="0" baseline="0" cap="none" i="0" spc="0" strike="noStrike" sz="2800" u="none">
+        <a:defRPr sz="2800" b="0" i="0" u="none" strike="noStrike" cap="none" spc="0" baseline="0">
           <a:ln>
             <a:noFill/>
           </a:ln>
@@ -2363,7 +2455,7 @@
         <a:buFont typeface="Arial"/>
         <a:buChar char="•"/>
         <a:tabLst/>
-        <a:defRPr b="0" baseline="0" cap="none" i="0" spc="0" strike="noStrike" sz="2800" u="none">
+        <a:defRPr sz="2800" b="0" i="0" u="none" strike="noStrike" cap="none" spc="0" baseline="0">
           <a:ln>
             <a:noFill/>
           </a:ln>
@@ -2392,7 +2484,7 @@
         <a:buFont typeface="Arial"/>
         <a:buChar char="•"/>
         <a:tabLst/>
-        <a:defRPr b="0" baseline="0" cap="none" i="0" spc="0" strike="noStrike" sz="2800" u="none">
+        <a:defRPr sz="2800" b="0" i="0" u="none" strike="noStrike" cap="none" spc="0" baseline="0">
           <a:ln>
             <a:noFill/>
           </a:ln>
@@ -2421,7 +2513,7 @@
         <a:buFont typeface="Arial"/>
         <a:buChar char="•"/>
         <a:tabLst/>
-        <a:defRPr b="0" baseline="0" cap="none" i="0" spc="0" strike="noStrike" sz="2800" u="none">
+        <a:defRPr sz="2800" b="0" i="0" u="none" strike="noStrike" cap="none" spc="0" baseline="0">
           <a:ln>
             <a:noFill/>
           </a:ln>
@@ -2450,7 +2542,7 @@
         <a:buFont typeface="Arial"/>
         <a:buChar char="•"/>
         <a:tabLst/>
-        <a:defRPr b="0" baseline="0" cap="none" i="0" spc="0" strike="noStrike" sz="2800" u="none">
+        <a:defRPr sz="2800" b="0" i="0" u="none" strike="noStrike" cap="none" spc="0" baseline="0">
           <a:ln>
             <a:noFill/>
           </a:ln>
@@ -2479,7 +2571,7 @@
         <a:buFont typeface="Arial"/>
         <a:buChar char="•"/>
         <a:tabLst/>
-        <a:defRPr b="0" baseline="0" cap="none" i="0" spc="0" strike="noStrike" sz="2800" u="none">
+        <a:defRPr sz="2800" b="0" i="0" u="none" strike="noStrike" cap="none" spc="0" baseline="0">
           <a:ln>
             <a:noFill/>
           </a:ln>
@@ -2510,7 +2602,7 @@
         <a:buFontTx/>
         <a:buNone/>
         <a:tabLst/>
-        <a:defRPr b="0" baseline="0" cap="none" i="0" spc="0" strike="noStrike" sz="1200" u="none">
+        <a:defRPr sz="1200" b="0" i="0" u="none" strike="noStrike" cap="none" spc="0" baseline="0">
           <a:ln>
             <a:noFill/>
           </a:ln>
@@ -2539,7 +2631,7 @@
         <a:buFontTx/>
         <a:buNone/>
         <a:tabLst/>
-        <a:defRPr b="0" baseline="0" cap="none" i="0" spc="0" strike="noStrike" sz="1200" u="none">
+        <a:defRPr sz="1200" b="0" i="0" u="none" strike="noStrike" cap="none" spc="0" baseline="0">
           <a:ln>
             <a:noFill/>
           </a:ln>
@@ -2568,7 +2660,7 @@
         <a:buFontTx/>
         <a:buNone/>
         <a:tabLst/>
-        <a:defRPr b="0" baseline="0" cap="none" i="0" spc="0" strike="noStrike" sz="1200" u="none">
+        <a:defRPr sz="1200" b="0" i="0" u="none" strike="noStrike" cap="none" spc="0" baseline="0">
           <a:ln>
             <a:noFill/>
           </a:ln>
@@ -2597,7 +2689,7 @@
         <a:buFontTx/>
         <a:buNone/>
         <a:tabLst/>
-        <a:defRPr b="0" baseline="0" cap="none" i="0" spc="0" strike="noStrike" sz="1200" u="none">
+        <a:defRPr sz="1200" b="0" i="0" u="none" strike="noStrike" cap="none" spc="0" baseline="0">
           <a:ln>
             <a:noFill/>
           </a:ln>
@@ -2626,7 +2718,7 @@
         <a:buFontTx/>
         <a:buNone/>
         <a:tabLst/>
-        <a:defRPr b="0" baseline="0" cap="none" i="0" spc="0" strike="noStrike" sz="1200" u="none">
+        <a:defRPr sz="1200" b="0" i="0" u="none" strike="noStrike" cap="none" spc="0" baseline="0">
           <a:ln>
             <a:noFill/>
           </a:ln>
@@ -2655,7 +2747,7 @@
         <a:buFontTx/>
         <a:buNone/>
         <a:tabLst/>
-        <a:defRPr b="0" baseline="0" cap="none" i="0" spc="0" strike="noStrike" sz="1200" u="none">
+        <a:defRPr sz="1200" b="0" i="0" u="none" strike="noStrike" cap="none" spc="0" baseline="0">
           <a:ln>
             <a:noFill/>
           </a:ln>
@@ -2684,7 +2776,7 @@
         <a:buFontTx/>
         <a:buNone/>
         <a:tabLst/>
-        <a:defRPr b="0" baseline="0" cap="none" i="0" spc="0" strike="noStrike" sz="1200" u="none">
+        <a:defRPr sz="1200" b="0" i="0" u="none" strike="noStrike" cap="none" spc="0" baseline="0">
           <a:ln>
             <a:noFill/>
           </a:ln>
@@ -2713,7 +2805,7 @@
         <a:buFontTx/>
         <a:buNone/>
         <a:tabLst/>
-        <a:defRPr b="0" baseline="0" cap="none" i="0" spc="0" strike="noStrike" sz="1200" u="none">
+        <a:defRPr sz="1200" b="0" i="0" u="none" strike="noStrike" cap="none" spc="0" baseline="0">
           <a:ln>
             <a:noFill/>
           </a:ln>
@@ -2742,7 +2834,7 @@
         <a:buFontTx/>
         <a:buNone/>
         <a:tabLst/>
-        <a:defRPr b="0" baseline="0" cap="none" i="0" spc="0" strike="noStrike" sz="1200" u="none">
+        <a:defRPr sz="1200" b="0" i="0" u="none" strike="noStrike" cap="none" spc="0" baseline="0">
           <a:ln>
             <a:noFill/>
           </a:ln>
@@ -2762,7 +2854,7 @@
 </file>
 
 <file path=ppt/slides/slide1.xml><?xml version="1.0" encoding="utf-8"?>
-<p:sld xmlns:a="http://schemas.openxmlformats.org/drawingml/2006/main" xmlns:r="http://schemas.openxmlformats.org/officeDocument/2006/relationships" xmlns:p="http://schemas.openxmlformats.org/presentationml/2006/main" showMasterSp="1" showMasterPhAnim="1">
+<p:sld xmlns:a="http://schemas.openxmlformats.org/drawingml/2006/main" xmlns:r="http://schemas.openxmlformats.org/officeDocument/2006/relationships" xmlns:p="http://schemas.openxmlformats.org/presentationml/2006/main">
   <p:cSld>
     <p:spTree>
       <p:nvGrpSpPr>
@@ -2781,7 +2873,9 @@
       <p:sp>
         <p:nvSpPr>
           <p:cNvPr id="112" name="Shape 112"/>
-          <p:cNvSpPr/>
+          <p:cNvSpPr>
+            <a:spLocks noGrp="1"/>
+          </p:cNvSpPr>
           <p:nvPr>
             <p:ph type="ctrTitle"/>
           </p:nvPr>
@@ -2795,7 +2889,6 @@
           <a:bodyPr/>
           <a:lstStyle/>
           <a:p>
-            <a:pPr/>
             <a:r>
               <a:t>Pipelined basic instruction set simulation</a:t>
             </a:r>
@@ -2805,7 +2898,9 @@
       <p:sp>
         <p:nvSpPr>
           <p:cNvPr id="113" name="Shape 113"/>
-          <p:cNvSpPr/>
+          <p:cNvSpPr>
+            <a:spLocks noGrp="1"/>
+          </p:cNvSpPr>
           <p:nvPr>
             <p:ph type="subTitle" sz="quarter" idx="1"/>
           </p:nvPr>
@@ -2823,7 +2918,6 @@
           <a:bodyPr/>
           <a:lstStyle/>
           <a:p>
-            <a:pPr/>
             <a:r>
               <a:t>Wei Hong  and Tengyu Sun</a:t>
             </a:r>
@@ -2835,12 +2929,12 @@
   <p:clrMapOvr>
     <a:masterClrMapping/>
   </p:clrMapOvr>
-  <p:transition xmlns:p14="http://schemas.microsoft.com/office/powerpoint/2010/main" spd="med" advClick="1"/>
+  <p:transition spd="med"/>
 </p:sld>
 </file>
 
 <file path=ppt/slides/slide2.xml><?xml version="1.0" encoding="utf-8"?>
-<p:sld xmlns:a="http://schemas.openxmlformats.org/drawingml/2006/main" xmlns:r="http://schemas.openxmlformats.org/officeDocument/2006/relationships" xmlns:p="http://schemas.openxmlformats.org/presentationml/2006/main" showMasterSp="1" showMasterPhAnim="1">
+<p:sld xmlns:a="http://schemas.openxmlformats.org/drawingml/2006/main" xmlns:r="http://schemas.openxmlformats.org/officeDocument/2006/relationships" xmlns:p="http://schemas.openxmlformats.org/presentationml/2006/main">
   <p:cSld>
     <p:spTree>
       <p:nvGrpSpPr>
@@ -2859,7 +2953,9 @@
       <p:sp>
         <p:nvSpPr>
           <p:cNvPr id="115" name="Shape 115"/>
-          <p:cNvSpPr/>
+          <p:cNvSpPr>
+            <a:spLocks noGrp="1"/>
+          </p:cNvSpPr>
           <p:nvPr>
             <p:ph type="title"/>
           </p:nvPr>
@@ -2877,7 +2973,6 @@
           <a:bodyPr/>
           <a:lstStyle/>
           <a:p>
-            <a:pPr/>
             <a:r>
               <a:t>Architecture</a:t>
             </a:r>
@@ -2893,7 +2988,7 @@
           <p:nvPr/>
         </p:nvPicPr>
         <p:blipFill>
-          <a:blip r:embed="rId3">
+          <a:blip r:embed="rId2">
             <a:extLst/>
           </a:blip>
           <a:stretch>
@@ -2945,6 +3040,7 @@
                 </a:solidFill>
               </a:defRPr>
             </a:pPr>
+            <a:endParaRPr/>
           </a:p>
         </p:txBody>
       </p:sp>
@@ -2967,7 +3063,7 @@
           </a:ln>
           <a:extLst>
             <a:ext uri="{C572A759-6A51-4108-AA02-DFA0A04FC94B}">
-              <ma14:wrappingTextBoxFlag xmlns:ma14="http://schemas.microsoft.com/office/mac/drawingml/2011/main" val="1"/>
+              <ma14:wrappingTextBoxFlag xmlns:ma14="http://schemas.microsoft.com/office/mac/drawingml/2011/main" xmlns="" val="1"/>
             </a:ext>
           </a:extLst>
         </p:spPr>
@@ -2985,7 +3081,6 @@
             </a:lvl1pPr>
           </a:lstStyle>
           <a:p>
-            <a:pPr/>
             <a:r>
               <a:t>Current stage</a:t>
             </a:r>
@@ -2997,12 +3092,12 @@
   <p:clrMapOvr>
     <a:masterClrMapping/>
   </p:clrMapOvr>
-  <p:transition xmlns:p14="http://schemas.microsoft.com/office/powerpoint/2010/main" spd="med" advClick="1" p14:dur="1000"/>
+  <p:transition spd="slow"/>
 </p:sld>
 </file>
 
 <file path=ppt/slides/slide3.xml><?xml version="1.0" encoding="utf-8"?>
-<p:sld xmlns:a="http://schemas.openxmlformats.org/drawingml/2006/main" xmlns:r="http://schemas.openxmlformats.org/officeDocument/2006/relationships" xmlns:p="http://schemas.openxmlformats.org/presentationml/2006/main" showMasterSp="1" showMasterPhAnim="1">
+<p:sld xmlns:a="http://schemas.openxmlformats.org/drawingml/2006/main" xmlns:r="http://schemas.openxmlformats.org/officeDocument/2006/relationships" xmlns:p="http://schemas.openxmlformats.org/presentationml/2006/main">
   <p:cSld>
     <p:spTree>
       <p:nvGrpSpPr>
@@ -3021,7 +3116,9 @@
       <p:sp>
         <p:nvSpPr>
           <p:cNvPr id="120" name="Shape 120"/>
-          <p:cNvSpPr/>
+          <p:cNvSpPr>
+            <a:spLocks noGrp="1"/>
+          </p:cNvSpPr>
           <p:nvPr>
             <p:ph type="title"/>
           </p:nvPr>
@@ -3039,7 +3136,6 @@
           <a:bodyPr/>
           <a:lstStyle/>
           <a:p>
-            <a:pPr/>
             <a:r>
               <a:t>Implementation</a:t>
             </a:r>
@@ -3049,7 +3145,9 @@
       <p:sp>
         <p:nvSpPr>
           <p:cNvPr id="121" name="Shape 121"/>
-          <p:cNvSpPr/>
+          <p:cNvSpPr>
+            <a:spLocks noGrp="1"/>
+          </p:cNvSpPr>
           <p:nvPr>
             <p:ph type="body" sz="half" idx="1"/>
           </p:nvPr>
@@ -3143,7 +3241,7 @@
             </a:r>
           </a:p>
           <a:p>
-            <a:pPr lvl="1" marL="0" indent="452627" defTabSz="905255">
+            <a:pPr marL="0" lvl="1" indent="452627" defTabSz="905255">
               <a:lnSpc>
                 <a:spcPct val="81000"/>
               </a:lnSpc>
@@ -3159,7 +3257,7 @@
             </a:r>
           </a:p>
           <a:p>
-            <a:pPr lvl="1" marL="0" indent="452627" defTabSz="905255">
+            <a:pPr marL="0" lvl="1" indent="452627" defTabSz="905255">
               <a:lnSpc>
                 <a:spcPct val="81000"/>
               </a:lnSpc>
@@ -3175,7 +3273,7 @@
             </a:r>
           </a:p>
           <a:p>
-            <a:pPr lvl="1" marL="0" indent="452627" defTabSz="905255">
+            <a:pPr marL="0" lvl="1" indent="452627" defTabSz="905255">
               <a:lnSpc>
                 <a:spcPct val="81000"/>
               </a:lnSpc>
@@ -3191,7 +3289,7 @@
             </a:r>
           </a:p>
           <a:p>
-            <a:pPr lvl="1" marL="0" indent="452627" defTabSz="905255">
+            <a:pPr marL="0" lvl="1" indent="452627" defTabSz="905255">
               <a:lnSpc>
                 <a:spcPct val="81000"/>
               </a:lnSpc>
@@ -3275,13 +3373,13 @@
             <a:effectLst/>
             <a:extLst>
               <a:ext uri="{C572A759-6A51-4108-AA02-DFA0A04FC94B}">
-                <ma14:wrappingTextBoxFlag xmlns:ma14="http://schemas.microsoft.com/office/mac/drawingml/2011/main" val="1"/>
+                <ma14:wrappingTextBoxFlag xmlns:ma14="http://schemas.microsoft.com/office/mac/drawingml/2011/main" xmlns="" val="1"/>
               </a:ext>
             </a:extLst>
           </p:spPr>
           <p:txBody>
             <a:bodyPr wrap="square" lIns="45719" tIns="45719" rIns="45719" bIns="45719" numCol="1" anchor="t">
-              <a:normAutofit fontScale="100000" lnSpcReduction="0"/>
+              <a:normAutofit/>
             </a:bodyPr>
             <a:lstStyle>
               <a:lvl1pPr marL="228600" indent="-228600">
@@ -3298,7 +3396,6 @@
               </a:lvl1pPr>
             </a:lstStyle>
             <a:p>
-              <a:pPr/>
               <a:r>
                 <a:t>Instruction state</a:t>
               </a:r>
@@ -3340,12 +3437,12 @@
   <p:clrMapOvr>
     <a:masterClrMapping/>
   </p:clrMapOvr>
-  <p:transition xmlns:p14="http://schemas.microsoft.com/office/powerpoint/2010/main" spd="med" advClick="1" p14:dur="1000"/>
+  <p:transition spd="slow"/>
 </p:sld>
 </file>
 
 <file path=ppt/slides/slide4.xml><?xml version="1.0" encoding="utf-8"?>
-<p:sld xmlns:a="http://schemas.openxmlformats.org/drawingml/2006/main" xmlns:r="http://schemas.openxmlformats.org/officeDocument/2006/relationships" xmlns:p="http://schemas.openxmlformats.org/presentationml/2006/main" showMasterSp="1" showMasterPhAnim="1">
+<p:sld xmlns:a="http://schemas.openxmlformats.org/drawingml/2006/main" xmlns:r="http://schemas.openxmlformats.org/officeDocument/2006/relationships" xmlns:p="http://schemas.openxmlformats.org/presentationml/2006/main">
   <p:cSld>
     <p:spTree>
       <p:nvGrpSpPr>
@@ -3364,7 +3461,9 @@
       <p:sp>
         <p:nvSpPr>
           <p:cNvPr id="127" name="Shape 127"/>
-          <p:cNvSpPr/>
+          <p:cNvSpPr>
+            <a:spLocks noGrp="1"/>
+          </p:cNvSpPr>
           <p:nvPr>
             <p:ph type="title"/>
           </p:nvPr>
@@ -3382,41 +3481,46 @@
           <a:bodyPr/>
           <a:lstStyle/>
           <a:p>
-            <a:pPr/>
-            <a:r>
-              <a:t>Instruction supported</a:t>
-            </a:r>
+            <a:r>
+              <a:rPr lang="en-US" dirty="0" smtClean="0"/>
+              <a:t>Full ISA support</a:t>
+            </a:r>
+            <a:endParaRPr dirty="0"/>
           </a:p>
         </p:txBody>
       </p:sp>
       <p:sp>
         <p:nvSpPr>
           <p:cNvPr id="128" name="Shape 128"/>
-          <p:cNvSpPr/>
+          <p:cNvSpPr>
+            <a:spLocks noGrp="1"/>
+          </p:cNvSpPr>
           <p:nvPr>
             <p:ph type="body" idx="1"/>
           </p:nvPr>
         </p:nvSpPr>
         <p:spPr>
           <a:xfrm>
-            <a:off x="838200" y="1825625"/>
-            <a:ext cx="10515600" cy="4351338"/>
+            <a:off x="672738" y="1459864"/>
+            <a:ext cx="10515600" cy="5219609"/>
           </a:xfrm>
           <a:prstGeom prst="rect">
             <a:avLst/>
           </a:prstGeom>
         </p:spPr>
         <p:txBody>
-          <a:bodyPr/>
+          <a:bodyPr>
+            <a:noAutofit/>
+          </a:bodyPr>
           <a:lstStyle/>
           <a:p>
-            <a:pPr/>
-            <a:r>
+            <a:r>
+              <a:rPr sz="2000" dirty="0"/>
               <a:t>Data transfer</a:t>
             </a:r>
           </a:p>
           <a:p>
-            <a:pPr lvl="1" marL="0" indent="457200">
+            <a:pPr marL="0" lvl="1" indent="457200">
               <a:spcBef>
                 <a:spcPts val="500"/>
               </a:spcBef>
@@ -3425,17 +3529,71 @@
               <a:defRPr sz="2400"/>
             </a:pPr>
             <a:r>
-              <a:t>lb, sb</a:t>
-            </a:r>
-          </a:p>
-          <a:p>
-            <a:pPr/>
-            <a:r>
+              <a:rPr sz="1800" dirty="0" err="1"/>
+              <a:t>lb</a:t>
+            </a:r>
+            <a:r>
+              <a:rPr sz="1800" dirty="0"/>
+              <a:t>, </a:t>
+            </a:r>
+            <a:r>
+              <a:rPr lang="en-US" sz="1800" dirty="0" err="1" smtClean="0"/>
+              <a:t>lbu,</a:t>
+            </a:r>
+            <a:r>
+              <a:rPr sz="1800" dirty="0" err="1" smtClean="0"/>
+              <a:t>sb</a:t>
+            </a:r>
+            <a:r>
+              <a:rPr lang="en-US" sz="1800" dirty="0" smtClean="0"/>
+              <a:t>, </a:t>
+            </a:r>
+            <a:r>
+              <a:rPr lang="en-US" sz="1800" dirty="0" err="1" smtClean="0"/>
+              <a:t>lw</a:t>
+            </a:r>
+            <a:r>
+              <a:rPr lang="en-US" sz="1800" dirty="0" smtClean="0"/>
+              <a:t>, </a:t>
+            </a:r>
+            <a:r>
+              <a:rPr lang="en-US" sz="1800" dirty="0" err="1" smtClean="0"/>
+              <a:t>sw</a:t>
+            </a:r>
+            <a:r>
+              <a:rPr lang="en-US" sz="1800" dirty="0" smtClean="0"/>
+              <a:t>, </a:t>
+            </a:r>
+            <a:r>
+              <a:rPr lang="en-US" sz="1800" dirty="0" err="1" smtClean="0"/>
+              <a:t>lsp</a:t>
+            </a:r>
+            <a:r>
+              <a:rPr lang="en-US" sz="1800" dirty="0" smtClean="0"/>
+              <a:t>, </a:t>
+            </a:r>
+            <a:r>
+              <a:rPr lang="en-US" sz="1800" dirty="0" err="1" smtClean="0"/>
+              <a:t>witf</a:t>
+            </a:r>
+            <a:r>
+              <a:rPr lang="en-US" sz="1800" dirty="0" smtClean="0"/>
+              <a:t>, </a:t>
+            </a:r>
+            <a:r>
+              <a:rPr lang="en-US" sz="1800" dirty="0" err="1" smtClean="0"/>
+              <a:t>wfti</a:t>
+            </a:r>
+            <a:endParaRPr sz="1800" dirty="0"/>
+          </a:p>
+          <a:p>
+            <a:r>
+              <a:rPr sz="2000" dirty="0"/>
               <a:t>Arithmetic and logical</a:t>
             </a:r>
           </a:p>
           <a:p>
-            <a:pPr lvl="1" marL="0" indent="457200">
+            <a:pPr marL="0" lvl="1" indent="457200">
               <a:spcBef>
                 <a:spcPts val="500"/>
               </a:spcBef>
@@ -3444,17 +3602,85 @@
               <a:defRPr sz="2400"/>
             </a:pPr>
             <a:r>
+              <a:rPr sz="1800" dirty="0" err="1" smtClean="0"/>
               <a:t>add,sub</a:t>
             </a:r>
-          </a:p>
-          <a:p>
-            <a:pPr/>
-            <a:r>
-              <a:t>Control</a:t>
-            </a:r>
-          </a:p>
-          <a:p>
-            <a:pPr lvl="1" marL="0" indent="457200">
+            <a:r>
+              <a:rPr lang="en-US" sz="1800" dirty="0" smtClean="0"/>
+              <a:t>, </a:t>
+            </a:r>
+            <a:r>
+              <a:rPr lang="en-US" sz="1800" dirty="0" err="1" smtClean="0"/>
+              <a:t>addi</a:t>
+            </a:r>
+            <a:r>
+              <a:rPr lang="en-US" sz="1800" dirty="0" smtClean="0"/>
+              <a:t>, </a:t>
+            </a:r>
+            <a:r>
+              <a:rPr lang="en-US" sz="1800" dirty="0" err="1" smtClean="0"/>
+              <a:t>subi</a:t>
+            </a:r>
+            <a:r>
+              <a:rPr lang="en-US" sz="1800" dirty="0" smtClean="0"/>
+              <a:t>, </a:t>
+            </a:r>
+            <a:r>
+              <a:rPr lang="en-US" sz="1800" dirty="0" err="1" smtClean="0"/>
+              <a:t>mul</a:t>
+            </a:r>
+            <a:r>
+              <a:rPr lang="en-US" sz="1800" dirty="0" smtClean="0"/>
+              <a:t>, </a:t>
+            </a:r>
+            <a:r>
+              <a:rPr lang="en-US" sz="1800" dirty="0" err="1" smtClean="0"/>
+              <a:t>muh</a:t>
+            </a:r>
+            <a:r>
+              <a:rPr lang="en-US" sz="1800" dirty="0" smtClean="0"/>
+              <a:t>, </a:t>
+            </a:r>
+            <a:r>
+              <a:rPr lang="en-US" sz="1800" dirty="0" err="1" smtClean="0"/>
+              <a:t>mulu</a:t>
+            </a:r>
+            <a:r>
+              <a:rPr lang="en-US" sz="1800" dirty="0" smtClean="0"/>
+              <a:t>, </a:t>
+            </a:r>
+            <a:r>
+              <a:rPr lang="en-US" sz="1800" dirty="0" err="1" smtClean="0"/>
+              <a:t>muhu</a:t>
+            </a:r>
+            <a:r>
+              <a:rPr lang="en-US" sz="1800" dirty="0" smtClean="0"/>
+              <a:t>, div, </a:t>
+            </a:r>
+            <a:r>
+              <a:rPr lang="en-US" sz="1800" dirty="0" err="1" smtClean="0"/>
+              <a:t>divu</a:t>
+            </a:r>
+            <a:r>
+              <a:rPr lang="en-US" sz="1800" dirty="0" smtClean="0"/>
+              <a:t>, </a:t>
+            </a:r>
+            <a:r>
+              <a:rPr lang="en-US" sz="1800" dirty="0" err="1" smtClean="0"/>
+              <a:t>modu</a:t>
+            </a:r>
+            <a:r>
+              <a:rPr lang="en-US" sz="1800" dirty="0" smtClean="0"/>
+              <a:t>, and, or, not, </a:t>
+            </a:r>
+            <a:r>
+              <a:rPr lang="en-US" sz="1800" dirty="0" err="1" smtClean="0"/>
+              <a:t>xor</a:t>
+            </a:r>
+            <a:endParaRPr lang="en-US" sz="1800" dirty="0" smtClean="0"/>
+          </a:p>
+          <a:p>
+            <a:pPr marL="0" lvl="1" indent="457200">
               <a:spcBef>
                 <a:spcPts val="500"/>
               </a:spcBef>
@@ -3463,8 +3689,311 @@
               <a:defRPr sz="2400"/>
             </a:pPr>
             <a:r>
-              <a:t>bgez, break</a:t>
-            </a:r>
+              <a:rPr lang="en-US" sz="1800" dirty="0" smtClean="0"/>
+              <a:t>Rr, </a:t>
+            </a:r>
+            <a:r>
+              <a:rPr lang="en-US" sz="1800" dirty="0" err="1" smtClean="0"/>
+              <a:t>srl</a:t>
+            </a:r>
+            <a:r>
+              <a:rPr lang="en-US" sz="1800" dirty="0" smtClean="0"/>
+              <a:t>, </a:t>
+            </a:r>
+            <a:r>
+              <a:rPr lang="en-US" sz="1800" dirty="0" err="1" smtClean="0"/>
+              <a:t>sra</a:t>
+            </a:r>
+            <a:r>
+              <a:rPr lang="en-US" sz="1800" dirty="0" smtClean="0"/>
+              <a:t>, </a:t>
+            </a:r>
+            <a:r>
+              <a:rPr lang="en-US" sz="1800" dirty="0" err="1" smtClean="0"/>
+              <a:t>sl</a:t>
+            </a:r>
+            <a:r>
+              <a:rPr lang="en-US" sz="1800" dirty="0" smtClean="0"/>
+              <a:t>, </a:t>
+            </a:r>
+            <a:r>
+              <a:rPr lang="en-US" sz="1800" dirty="0" err="1" smtClean="0"/>
+              <a:t>slt</a:t>
+            </a:r>
+            <a:r>
+              <a:rPr lang="en-US" sz="1800" dirty="0" smtClean="0"/>
+              <a:t>, </a:t>
+            </a:r>
+            <a:r>
+              <a:rPr lang="en-US" sz="1800" dirty="0" err="1" smtClean="0"/>
+              <a:t>sltu</a:t>
+            </a:r>
+            <a:r>
+              <a:rPr lang="en-US" sz="1800" dirty="0" smtClean="0"/>
+              <a:t>, </a:t>
+            </a:r>
+            <a:r>
+              <a:rPr lang="en-US" sz="1800" dirty="0" err="1" smtClean="0"/>
+              <a:t>slti</a:t>
+            </a:r>
+            <a:r>
+              <a:rPr lang="en-US" sz="1800" dirty="0" smtClean="0"/>
+              <a:t>, </a:t>
+            </a:r>
+            <a:r>
+              <a:rPr lang="en-US" sz="1800" dirty="0" err="1" smtClean="0"/>
+              <a:t>sltiu</a:t>
+            </a:r>
+            <a:endParaRPr sz="1800" dirty="0"/>
+          </a:p>
+          <a:p>
+            <a:r>
+              <a:rPr sz="2000" dirty="0" smtClean="0"/>
+              <a:t>Control</a:t>
+            </a:r>
+            <a:endParaRPr lang="en-US" sz="2000" dirty="0" smtClean="0"/>
+          </a:p>
+          <a:p>
+            <a:pPr marL="0" lvl="1" indent="0">
+              <a:buNone/>
+            </a:pPr>
+            <a:r>
+              <a:rPr lang="de-DE" sz="1800" dirty="0" smtClean="0"/>
+              <a:t>      J</a:t>
+            </a:r>
+            <a:r>
+              <a:rPr lang="de-DE" sz="1800" dirty="0"/>
+              <a:t>, jal, beq,bgez,blez, bltz, </a:t>
+            </a:r>
+            <a:r>
+              <a:rPr lang="de-DE" sz="1800" dirty="0" smtClean="0"/>
+              <a:t>break</a:t>
+            </a:r>
+            <a:endParaRPr lang="en-US" sz="1800" dirty="0"/>
+          </a:p>
+          <a:p>
+            <a:r>
+              <a:rPr lang="en-US" sz="2000" dirty="0" smtClean="0"/>
+              <a:t>Floating point</a:t>
+            </a:r>
+          </a:p>
+          <a:p>
+            <a:pPr marL="0" indent="0">
+              <a:buNone/>
+            </a:pPr>
+            <a:r>
+              <a:rPr lang="en-US" sz="1800" dirty="0" smtClean="0"/>
+              <a:t>       </a:t>
+            </a:r>
+            <a:r>
+              <a:rPr lang="en-US" sz="1800" dirty="0" err="1" smtClean="0"/>
+              <a:t>addsp</a:t>
+            </a:r>
+            <a:r>
+              <a:rPr lang="en-US" sz="1800" dirty="0" smtClean="0"/>
+              <a:t>, </a:t>
+            </a:r>
+            <a:r>
+              <a:rPr lang="en-US" sz="1800" dirty="0" err="1" smtClean="0"/>
+              <a:t>subsp</a:t>
+            </a:r>
+            <a:r>
+              <a:rPr lang="en-US" sz="1800" dirty="0" smtClean="0"/>
+              <a:t>, </a:t>
+            </a:r>
+            <a:r>
+              <a:rPr lang="en-US" sz="1800" dirty="0" err="1" smtClean="0"/>
+              <a:t>mulsp</a:t>
+            </a:r>
+            <a:r>
+              <a:rPr lang="en-US" sz="1800" dirty="0" smtClean="0"/>
+              <a:t>, </a:t>
+            </a:r>
+            <a:r>
+              <a:rPr lang="en-US" sz="1800" dirty="0" err="1" smtClean="0"/>
+              <a:t>divsp</a:t>
+            </a:r>
+            <a:r>
+              <a:rPr lang="en-US" sz="1800" dirty="0" smtClean="0"/>
+              <a:t>, </a:t>
+            </a:r>
+            <a:r>
+              <a:rPr lang="en-US" sz="1800" dirty="0" err="1" smtClean="0"/>
+              <a:t>sltsp</a:t>
+            </a:r>
+            <a:endParaRPr lang="en-US" sz="1800" dirty="0" smtClean="0"/>
+          </a:p>
+          <a:p>
+            <a:r>
+              <a:rPr lang="en-US" sz="2000" dirty="0" smtClean="0"/>
+              <a:t>Cache</a:t>
+            </a:r>
+          </a:p>
+          <a:p>
+            <a:pPr marL="0" indent="0">
+              <a:buNone/>
+            </a:pPr>
+            <a:r>
+              <a:rPr lang="en-US" sz="2000" dirty="0"/>
+              <a:t> </a:t>
+            </a:r>
+            <a:r>
+              <a:rPr lang="en-US" sz="2000" dirty="0" smtClean="0"/>
+              <a:t>      </a:t>
+            </a:r>
+            <a:r>
+              <a:rPr lang="en-US" sz="1800" dirty="0" err="1" smtClean="0"/>
+              <a:t>pref</a:t>
+            </a:r>
+            <a:endParaRPr lang="en-US" sz="2000" dirty="0" smtClean="0"/>
+          </a:p>
+          <a:p>
+            <a:r>
+              <a:rPr lang="en-US" sz="2000" dirty="0" smtClean="0"/>
+              <a:t>SIMD</a:t>
+            </a:r>
+          </a:p>
+          <a:p>
+            <a:pPr marL="0" indent="0">
+              <a:buNone/>
+            </a:pPr>
+            <a:r>
+              <a:rPr lang="en-US" sz="2000" dirty="0"/>
+              <a:t> </a:t>
+            </a:r>
+            <a:r>
+              <a:rPr lang="en-US" sz="2000" dirty="0" smtClean="0"/>
+              <a:t>      </a:t>
+            </a:r>
+            <a:r>
+              <a:rPr lang="en-US" sz="1800" dirty="0" smtClean="0"/>
+              <a:t>move, </a:t>
+            </a:r>
+            <a:r>
+              <a:rPr lang="en-US" sz="1800" dirty="0" err="1" smtClean="0"/>
+              <a:t>copys</a:t>
+            </a:r>
+            <a:r>
+              <a:rPr lang="en-US" sz="1800" dirty="0" smtClean="0"/>
+              <a:t>, </a:t>
+            </a:r>
+            <a:r>
+              <a:rPr lang="en-US" sz="1800" dirty="0" err="1" smtClean="0"/>
+              <a:t>copyu</a:t>
+            </a:r>
+            <a:r>
+              <a:rPr lang="en-US" sz="1800" dirty="0" smtClean="0"/>
+              <a:t>, insert, </a:t>
+            </a:r>
+            <a:r>
+              <a:rPr lang="en-US" sz="1800" dirty="0" err="1" smtClean="0"/>
+              <a:t>fillb</a:t>
+            </a:r>
+            <a:r>
+              <a:rPr lang="en-US" sz="1800" dirty="0" smtClean="0"/>
+              <a:t>, </a:t>
+            </a:r>
+            <a:r>
+              <a:rPr lang="en-US" sz="1800" dirty="0" err="1" smtClean="0"/>
+              <a:t>vaddb</a:t>
+            </a:r>
+            <a:r>
+              <a:rPr lang="en-US" sz="1800" dirty="0" smtClean="0"/>
+              <a:t>, </a:t>
+            </a:r>
+            <a:r>
+              <a:rPr lang="en-US" sz="1800" dirty="0" err="1" smtClean="0"/>
+              <a:t>vsubb</a:t>
+            </a:r>
+            <a:r>
+              <a:rPr lang="en-US" sz="1800" dirty="0" smtClean="0"/>
+              <a:t>, </a:t>
+            </a:r>
+            <a:r>
+              <a:rPr lang="en-US" sz="1800" dirty="0" err="1" smtClean="0"/>
+              <a:t>vmulb</a:t>
+            </a:r>
+            <a:r>
+              <a:rPr lang="en-US" sz="1800" dirty="0" smtClean="0"/>
+              <a:t>, </a:t>
+            </a:r>
+            <a:r>
+              <a:rPr lang="en-US" sz="1800" dirty="0" err="1" smtClean="0"/>
+              <a:t>vdivb</a:t>
+            </a:r>
+            <a:endParaRPr lang="en-US" sz="1800" dirty="0" smtClean="0"/>
+          </a:p>
+          <a:p>
+            <a:pPr marL="0" indent="0">
+              <a:buNone/>
+            </a:pPr>
+            <a:r>
+              <a:rPr lang="en-US" sz="1800" dirty="0"/>
+              <a:t> </a:t>
+            </a:r>
+            <a:r>
+              <a:rPr lang="en-US" sz="1800" dirty="0" smtClean="0"/>
+              <a:t>      </a:t>
+            </a:r>
+            <a:r>
+              <a:rPr lang="en-US" sz="1800" dirty="0" err="1" smtClean="0"/>
+              <a:t>vmodb</a:t>
+            </a:r>
+            <a:r>
+              <a:rPr lang="en-US" sz="1800" dirty="0" smtClean="0"/>
+              <a:t>, </a:t>
+            </a:r>
+            <a:r>
+              <a:rPr lang="en-US" sz="1800" dirty="0" err="1" smtClean="0"/>
+              <a:t>ceqb</a:t>
+            </a:r>
+            <a:r>
+              <a:rPr lang="en-US" sz="1800" dirty="0" smtClean="0"/>
+              <a:t>, </a:t>
+            </a:r>
+            <a:r>
+              <a:rPr lang="en-US" sz="1800" dirty="0" err="1" smtClean="0"/>
+              <a:t>cleb</a:t>
+            </a:r>
+            <a:r>
+              <a:rPr lang="en-US" sz="1800" dirty="0" smtClean="0"/>
+              <a:t>, </a:t>
+            </a:r>
+            <a:r>
+              <a:rPr lang="en-US" sz="1800" dirty="0" err="1" smtClean="0"/>
+              <a:t>cleub</a:t>
+            </a:r>
+            <a:r>
+              <a:rPr lang="en-US" sz="1800" dirty="0" smtClean="0"/>
+              <a:t>, </a:t>
+            </a:r>
+            <a:r>
+              <a:rPr lang="en-US" sz="1800" dirty="0" err="1" smtClean="0"/>
+              <a:t>cltb</a:t>
+            </a:r>
+            <a:r>
+              <a:rPr lang="en-US" sz="1800" dirty="0" smtClean="0"/>
+              <a:t>, </a:t>
+            </a:r>
+            <a:r>
+              <a:rPr lang="en-US" sz="1800" dirty="0" err="1" smtClean="0"/>
+              <a:t>cltub</a:t>
+            </a:r>
+            <a:endParaRPr lang="en-US" sz="1800" dirty="0" smtClean="0"/>
+          </a:p>
+          <a:p>
+            <a:endParaRPr sz="2000" dirty="0"/>
+          </a:p>
+          <a:p>
+            <a:pPr marL="0" lvl="1" indent="457200">
+              <a:spcBef>
+                <a:spcPts val="500"/>
+              </a:spcBef>
+              <a:buSzTx/>
+              <a:buNone/>
+              <a:defRPr sz="2400"/>
+            </a:pPr>
+            <a:endParaRPr lang="en-US" sz="1600" dirty="0" smtClean="0"/>
           </a:p>
         </p:txBody>
       </p:sp>
@@ -3486,7 +4015,7 @@
         </p:blipFill>
         <p:spPr>
           <a:xfrm>
-            <a:off x="4932217" y="2129552"/>
+            <a:off x="4827713" y="3304748"/>
             <a:ext cx="6720177" cy="2036192"/>
           </a:xfrm>
           <a:prstGeom prst="rect">
@@ -3502,12 +4031,12 @@
   <p:clrMapOvr>
     <a:masterClrMapping/>
   </p:clrMapOvr>
-  <p:transition xmlns:p14="http://schemas.microsoft.com/office/powerpoint/2010/main" spd="med" advClick="1" p14:dur="1000"/>
+  <p:transition spd="slow"/>
 </p:sld>
 </file>
 
 <file path=ppt/slides/slide5.xml><?xml version="1.0" encoding="utf-8"?>
-<p:sld xmlns:a="http://schemas.openxmlformats.org/drawingml/2006/main" xmlns:r="http://schemas.openxmlformats.org/officeDocument/2006/relationships" xmlns:p="http://schemas.openxmlformats.org/presentationml/2006/main" showMasterSp="1" showMasterPhAnim="1">
+<p:sld xmlns:a="http://schemas.openxmlformats.org/drawingml/2006/main" xmlns:r="http://schemas.openxmlformats.org/officeDocument/2006/relationships" xmlns:p="http://schemas.openxmlformats.org/presentationml/2006/main">
   <p:cSld>
     <p:spTree>
       <p:nvGrpSpPr>
@@ -3526,7 +4055,9 @@
       <p:sp>
         <p:nvSpPr>
           <p:cNvPr id="131" name="Shape 131"/>
-          <p:cNvSpPr/>
+          <p:cNvSpPr>
+            <a:spLocks noGrp="1"/>
+          </p:cNvSpPr>
           <p:nvPr>
             <p:ph type="title"/>
           </p:nvPr>
@@ -3544,17 +4075,32 @@
           <a:bodyPr/>
           <a:lstStyle/>
           <a:p>
-            <a:pPr/>
-            <a:r>
-              <a:t>Basic assembler</a:t>
-            </a:r>
+            <a:r>
+              <a:rPr lang="en-US" dirty="0"/>
+              <a:t>A</a:t>
+            </a:r>
+            <a:r>
+              <a:rPr dirty="0" smtClean="0"/>
+              <a:t>ssembler</a:t>
+            </a:r>
+            <a:r>
+              <a:rPr lang="en-US" dirty="0" smtClean="0"/>
+              <a:t> </a:t>
+            </a:r>
+            <a:r>
+              <a:rPr lang="en-US" dirty="0" err="1" smtClean="0"/>
+              <a:t>implemenation</a:t>
+            </a:r>
+            <a:endParaRPr dirty="0"/>
           </a:p>
         </p:txBody>
       </p:sp>
       <p:sp>
         <p:nvSpPr>
           <p:cNvPr id="132" name="Shape 132"/>
-          <p:cNvSpPr/>
+          <p:cNvSpPr>
+            <a:spLocks noGrp="1"/>
+          </p:cNvSpPr>
           <p:nvPr>
             <p:ph type="body" idx="1"/>
           </p:nvPr>
@@ -3569,13 +4115,69 @@
           </a:prstGeom>
         </p:spPr>
         <p:txBody>
-          <a:bodyPr/>
+          <a:bodyPr>
+            <a:normAutofit lnSpcReduction="10000"/>
+          </a:bodyPr>
           <a:lstStyle/>
           <a:p>
-            <a:pPr/>
-            <a:r>
+            <a:pPr marL="0" indent="0">
+              <a:buNone/>
+            </a:pPr>
+            <a:r>
+              <a:rPr dirty="0" smtClean="0"/>
               <a:t>2-pass</a:t>
             </a:r>
+            <a:endParaRPr lang="en-US" dirty="0" smtClean="0"/>
+          </a:p>
+          <a:p>
+            <a:pPr marL="0" indent="0">
+              <a:buNone/>
+            </a:pPr>
+            <a:r>
+              <a:rPr lang="en-US" sz="2400" dirty="0"/>
+              <a:t> </a:t>
+            </a:r>
+            <a:r>
+              <a:rPr lang="en-US" sz="2400" dirty="0" smtClean="0"/>
+              <a:t>    </a:t>
+            </a:r>
+            <a:r>
+              <a:rPr lang="en-US" sz="2400" b="1" dirty="0" smtClean="0"/>
+              <a:t>First pass: </a:t>
+            </a:r>
+            <a:br>
+              <a:rPr lang="en-US" sz="2400" b="1" dirty="0" smtClean="0"/>
+            </a:br>
+            <a:r>
+              <a:rPr lang="en-US" sz="2400" b="1" dirty="0" smtClean="0"/>
+              <a:t>	</a:t>
+            </a:r>
+            <a:r>
+              <a:rPr lang="en-US" sz="2400" dirty="0" smtClean="0"/>
+              <a:t>load labels into a Map&lt;label, </a:t>
+            </a:r>
+            <a:r>
+              <a:rPr lang="en-US" sz="2400" dirty="0" err="1" smtClean="0"/>
+              <a:t>line_number</a:t>
+            </a:r>
+            <a:r>
+              <a:rPr lang="en-US" sz="2400" dirty="0" smtClean="0"/>
+              <a:t>&gt;</a:t>
+            </a:r>
+          </a:p>
+          <a:p>
+            <a:pPr marL="0" indent="0">
+              <a:buNone/>
+            </a:pPr>
+            <a:r>
+              <a:rPr lang="en-US" sz="2400" dirty="0"/>
+              <a:t>	</a:t>
+            </a:r>
+            <a:r>
+              <a:rPr lang="en-US" sz="2400" dirty="0" smtClean="0"/>
+              <a:t>Skip blank lines / comments</a:t>
+            </a:r>
+            <a:endParaRPr sz="2400" dirty="0"/>
           </a:p>
           <a:p>
             <a:pPr marL="0" indent="0">
@@ -3583,8 +4185,70 @@
               <a:buNone/>
             </a:pPr>
             <a:r>
-              <a:t>	Take assembly language clauses, parse into binary instruction</a:t>
-            </a:r>
+              <a:rPr lang="en-US" sz="2400" dirty="0" smtClean="0"/>
+              <a:t>     </a:t>
+            </a:r>
+            <a:r>
+              <a:rPr lang="en-US" sz="2400" b="1" dirty="0" smtClean="0"/>
+              <a:t>Second pass</a:t>
+            </a:r>
+            <a:r>
+              <a:rPr lang="en-US" sz="2400" dirty="0" smtClean="0"/>
+              <a:t>: </a:t>
+            </a:r>
+          </a:p>
+          <a:p>
+            <a:pPr marL="0" indent="0">
+              <a:buSzTx/>
+              <a:buNone/>
+            </a:pPr>
+            <a:r>
+              <a:rPr lang="en-US" sz="2400" dirty="0"/>
+              <a:t>	</a:t>
+            </a:r>
+            <a:r>
+              <a:rPr sz="2400" dirty="0" smtClean="0"/>
+              <a:t>Take </a:t>
+            </a:r>
+            <a:r>
+              <a:rPr sz="2400" dirty="0"/>
+              <a:t>assembly language clauses, parse </a:t>
+            </a:r>
+            <a:r>
+              <a:rPr lang="en-US" sz="2400" dirty="0" smtClean="0"/>
+              <a:t>them </a:t>
+            </a:r>
+            <a:r>
+              <a:rPr sz="2400" dirty="0" smtClean="0"/>
+              <a:t>into </a:t>
+            </a:r>
+            <a:r>
+              <a:rPr sz="2400" dirty="0"/>
+              <a:t>binary </a:t>
+            </a:r>
+            <a:r>
+              <a:rPr sz="2400" dirty="0" smtClean="0"/>
+              <a:t>instruction</a:t>
+            </a:r>
+            <a:r>
+              <a:rPr lang="en-US" sz="2400" dirty="0" smtClean="0"/>
+              <a:t>.</a:t>
+            </a:r>
+          </a:p>
+          <a:p>
+            <a:pPr marL="0" indent="0">
+              <a:buSzTx/>
+              <a:buNone/>
+            </a:pPr>
+            <a:r>
+              <a:rPr lang="en-US" sz="2400" dirty="0"/>
+              <a:t>	</a:t>
+            </a:r>
+            <a:r>
+              <a:rPr lang="en-US" sz="2400" dirty="0" smtClean="0"/>
+              <a:t> If labels are encountered, offset is calculated according to the its their line 	numbers.</a:t>
+            </a:r>
+            <a:endParaRPr sz="2400" dirty="0"/>
           </a:p>
         </p:txBody>
       </p:sp>
@@ -3593,12 +4257,12 @@
   <p:clrMapOvr>
     <a:masterClrMapping/>
   </p:clrMapOvr>
-  <p:transition xmlns:p14="http://schemas.microsoft.com/office/powerpoint/2010/main" spd="med" advClick="1" p14:dur="1000"/>
+  <p:transition spd="slow"/>
 </p:sld>
 </file>
 
 <file path=ppt/slides/slide6.xml><?xml version="1.0" encoding="utf-8"?>
-<p:sld xmlns:a="http://schemas.openxmlformats.org/drawingml/2006/main" xmlns:r="http://schemas.openxmlformats.org/officeDocument/2006/relationships" xmlns:p="http://schemas.openxmlformats.org/presentationml/2006/main" showMasterSp="1" showMasterPhAnim="1">
+<p:sld xmlns:a="http://schemas.openxmlformats.org/drawingml/2006/main" xmlns:r="http://schemas.openxmlformats.org/officeDocument/2006/relationships" xmlns:p="http://schemas.openxmlformats.org/presentationml/2006/main">
   <p:cSld>
     <p:spTree>
       <p:nvGrpSpPr>
@@ -3617,7 +4281,9 @@
       <p:sp>
         <p:nvSpPr>
           <p:cNvPr id="134" name="Shape 134"/>
-          <p:cNvSpPr/>
+          <p:cNvSpPr>
+            <a:spLocks noGrp="1"/>
+          </p:cNvSpPr>
           <p:nvPr>
             <p:ph type="title"/>
           </p:nvPr>
@@ -3639,7 +4305,6 @@
             </a:lvl1pPr>
           </a:lstStyle>
           <a:p>
-            <a:pPr/>
             <a:r>
               <a:t>Demo 1</a:t>
             </a:r>
@@ -3649,7 +4314,9 @@
       <p:sp>
         <p:nvSpPr>
           <p:cNvPr id="135" name="Shape 135"/>
-          <p:cNvSpPr/>
+          <p:cNvSpPr>
+            <a:spLocks noGrp="1"/>
+          </p:cNvSpPr>
           <p:nvPr>
             <p:ph type="body" sz="half" idx="1"/>
           </p:nvPr>
@@ -3791,7 +4458,7 @@
           </a:ln>
           <a:extLst>
             <a:ext uri="{C572A759-6A51-4108-AA02-DFA0A04FC94B}">
-              <ma14:wrappingTextBoxFlag xmlns:ma14="http://schemas.microsoft.com/office/mac/drawingml/2011/main" val="1"/>
+              <ma14:wrappingTextBoxFlag xmlns:ma14="http://schemas.microsoft.com/office/mac/drawingml/2011/main" xmlns="" val="1"/>
             </a:ext>
           </a:extLst>
         </p:spPr>
@@ -3940,13 +4607,13 @@
           </a:ln>
           <a:extLst>
             <a:ext uri="{C572A759-6A51-4108-AA02-DFA0A04FC94B}">
-              <ma14:wrappingTextBoxFlag xmlns:ma14="http://schemas.microsoft.com/office/mac/drawingml/2011/main" val="1"/>
+              <ma14:wrappingTextBoxFlag xmlns:ma14="http://schemas.microsoft.com/office/mac/drawingml/2011/main" xmlns="" val="1"/>
             </a:ext>
           </a:extLst>
         </p:spPr>
         <p:txBody>
           <a:bodyPr lIns="45719" rIns="45719" anchor="ctr">
-            <a:normAutofit fontScale="100000" lnSpcReduction="0"/>
+            <a:normAutofit/>
           </a:bodyPr>
           <a:lstStyle>
             <a:lvl1pPr>
@@ -3962,7 +4629,6 @@
             </a:lvl1pPr>
           </a:lstStyle>
           <a:p>
-            <a:pPr/>
             <a:r>
               <a:t>Demo 2</a:t>
             </a:r>
@@ -3974,12 +4640,12 @@
   <p:clrMapOvr>
     <a:masterClrMapping/>
   </p:clrMapOvr>
-  <p:transition xmlns:p14="http://schemas.microsoft.com/office/powerpoint/2010/main" spd="med" advClick="1" p14:dur="1000"/>
+  <p:transition spd="slow"/>
 </p:sld>
 </file>
 
 <file path=ppt/theme/theme1.xml><?xml version="1.0" encoding="utf-8"?>
-<a:theme xmlns:a="http://schemas.openxmlformats.org/drawingml/2006/main" xmlns:r="http://schemas.openxmlformats.org/officeDocument/2006/relationships" name="Office Theme">
+<a:theme xmlns:a="http://schemas.openxmlformats.org/drawingml/2006/main" name="Office Theme">
   <a:themeElements>
     <a:clrScheme name="Office Theme">
       <a:dk1>
@@ -4181,7 +4847,7 @@
         <a:effectLst/>
         <a:sp3d/>
       </a:spPr>
-      <a:bodyPr rot="0" spcFirstLastPara="1" vertOverflow="overflow" horzOverflow="overflow" vert="horz" wrap="square" lIns="45719" tIns="45719" rIns="45719" bIns="45719" numCol="1" spcCol="38100" rtlCol="0" anchor="ctr" upright="0">
+      <a:bodyPr rot="0" spcFirstLastPara="1" vertOverflow="overflow" horzOverflow="overflow" vert="horz" wrap="square" lIns="45719" tIns="45719" rIns="45719" bIns="45719" numCol="1" spcCol="38100" rtlCol="0" anchor="ctr">
         <a:spAutoFit/>
       </a:bodyPr>
       <a:lstStyle>
@@ -4200,7 +4866,7 @@
           <a:buFontTx/>
           <a:buNone/>
           <a:tabLst/>
-          <a:defRPr b="0" baseline="0" cap="none" i="0" spc="0" strike="noStrike" sz="1800" u="none" kumimoji="0" normalizeH="0">
+          <a:defRPr kumimoji="0" sz="1800" b="0" i="0" u="none" strike="noStrike" cap="none" spc="0" normalizeH="0" baseline="0">
             <a:ln>
               <a:noFill/>
             </a:ln>
@@ -4230,7 +4896,7 @@
           <a:buFontTx/>
           <a:buNone/>
           <a:tabLst/>
-          <a:defRPr b="0" baseline="0" cap="none" i="0" spc="0" strike="noStrike" sz="1800" u="none" kumimoji="0" normalizeH="0">
+          <a:defRPr kumimoji="0" sz="1800" b="0" i="0" u="none" strike="noStrike" cap="none" spc="0" normalizeH="0" baseline="0">
             <a:ln>
               <a:noFill/>
             </a:ln>
@@ -4256,7 +4922,7 @@
           <a:buFontTx/>
           <a:buNone/>
           <a:tabLst/>
-          <a:defRPr b="0" baseline="0" cap="none" i="0" spc="0" strike="noStrike" sz="1800" u="none" kumimoji="0" normalizeH="0">
+          <a:defRPr kumimoji="0" sz="1800" b="0" i="0" u="none" strike="noStrike" cap="none" spc="0" normalizeH="0" baseline="0">
             <a:ln>
               <a:noFill/>
             </a:ln>
@@ -4282,7 +4948,7 @@
           <a:buFontTx/>
           <a:buNone/>
           <a:tabLst/>
-          <a:defRPr b="0" baseline="0" cap="none" i="0" spc="0" strike="noStrike" sz="1800" u="none" kumimoji="0" normalizeH="0">
+          <a:defRPr kumimoji="0" sz="1800" b="0" i="0" u="none" strike="noStrike" cap="none" spc="0" normalizeH="0" baseline="0">
             <a:ln>
               <a:noFill/>
             </a:ln>
@@ -4308,7 +4974,7 @@
           <a:buFontTx/>
           <a:buNone/>
           <a:tabLst/>
-          <a:defRPr b="0" baseline="0" cap="none" i="0" spc="0" strike="noStrike" sz="1800" u="none" kumimoji="0" normalizeH="0">
+          <a:defRPr kumimoji="0" sz="1800" b="0" i="0" u="none" strike="noStrike" cap="none" spc="0" normalizeH="0" baseline="0">
             <a:ln>
               <a:noFill/>
             </a:ln>
@@ -4334,7 +5000,7 @@
           <a:buFontTx/>
           <a:buNone/>
           <a:tabLst/>
-          <a:defRPr b="0" baseline="0" cap="none" i="0" spc="0" strike="noStrike" sz="1800" u="none" kumimoji="0" normalizeH="0">
+          <a:defRPr kumimoji="0" sz="1800" b="0" i="0" u="none" strike="noStrike" cap="none" spc="0" normalizeH="0" baseline="0">
             <a:ln>
               <a:noFill/>
             </a:ln>
@@ -4360,7 +5026,7 @@
           <a:buFontTx/>
           <a:buNone/>
           <a:tabLst/>
-          <a:defRPr b="0" baseline="0" cap="none" i="0" spc="0" strike="noStrike" sz="1800" u="none" kumimoji="0" normalizeH="0">
+          <a:defRPr kumimoji="0" sz="1800" b="0" i="0" u="none" strike="noStrike" cap="none" spc="0" normalizeH="0" baseline="0">
             <a:ln>
               <a:noFill/>
             </a:ln>
@@ -4386,7 +5052,7 @@
           <a:buFontTx/>
           <a:buNone/>
           <a:tabLst/>
-          <a:defRPr b="0" baseline="0" cap="none" i="0" spc="0" strike="noStrike" sz="1800" u="none" kumimoji="0" normalizeH="0">
+          <a:defRPr kumimoji="0" sz="1800" b="0" i="0" u="none" strike="noStrike" cap="none" spc="0" normalizeH="0" baseline="0">
             <a:ln>
               <a:noFill/>
             </a:ln>
@@ -4412,7 +5078,7 @@
           <a:buFontTx/>
           <a:buNone/>
           <a:tabLst/>
-          <a:defRPr b="0" baseline="0" cap="none" i="0" spc="0" strike="noStrike" sz="1800" u="none" kumimoji="0" normalizeH="0">
+          <a:defRPr kumimoji="0" sz="1800" b="0" i="0" u="none" strike="noStrike" cap="none" spc="0" normalizeH="0" baseline="0">
             <a:ln>
               <a:noFill/>
             </a:ln>
@@ -4438,7 +5104,7 @@
           <a:buFontTx/>
           <a:buNone/>
           <a:tabLst/>
-          <a:defRPr b="0" baseline="0" cap="none" i="0" spc="0" strike="noStrike" sz="1800" u="none" kumimoji="0" normalizeH="0">
+          <a:defRPr kumimoji="0" sz="1800" b="0" i="0" u="none" strike="noStrike" cap="none" spc="0" normalizeH="0" baseline="0">
             <a:ln>
               <a:noFill/>
             </a:ln>
@@ -4451,9 +5117,15 @@
         </a:lvl9pPr>
       </a:lstStyle>
       <a:style>
-        <a:lnRef idx="0"/>
-        <a:fillRef idx="0"/>
-        <a:effectRef idx="0"/>
+        <a:lnRef idx="0">
+          <a:scrgbClr r="0" g="0" b="0"/>
+        </a:lnRef>
+        <a:fillRef idx="0">
+          <a:scrgbClr r="0" g="0" b="0"/>
+        </a:fillRef>
+        <a:effectRef idx="0">
+          <a:scrgbClr r="0" g="0" b="0"/>
+        </a:effectRef>
         <a:fontRef idx="none"/>
       </a:style>
     </a:spDef>
@@ -4470,7 +5142,7 @@
         <a:effectLst/>
         <a:sp3d/>
       </a:spPr>
-      <a:bodyPr rot="0" spcFirstLastPara="1" vertOverflow="overflow" horzOverflow="overflow" vert="horz" wrap="square" lIns="91439" tIns="45719" rIns="91439" bIns="45719" numCol="1" spcCol="38100" rtlCol="0" anchor="t" upright="0">
+      <a:bodyPr rot="0" spcFirstLastPara="1" vertOverflow="overflow" horzOverflow="overflow" vert="horz" wrap="square" lIns="91439" tIns="45719" rIns="91439" bIns="45719" numCol="1" spcCol="38100" rtlCol="0" anchor="t">
         <a:noAutofit/>
       </a:bodyPr>
       <a:lstStyle>
@@ -4489,7 +5161,7 @@
           <a:buFontTx/>
           <a:buNone/>
           <a:tabLst/>
-          <a:defRPr b="0" baseline="0" cap="none" i="0" spc="0" strike="noStrike" sz="1800" u="none" kumimoji="0" normalizeH="0">
+          <a:defRPr kumimoji="0" sz="1800" b="0" i="0" u="none" strike="noStrike" cap="none" spc="0" normalizeH="0" baseline="0">
             <a:ln>
               <a:noFill/>
             </a:ln>
@@ -4515,7 +5187,7 @@
           <a:buFontTx/>
           <a:buNone/>
           <a:tabLst/>
-          <a:defRPr b="0" baseline="0" cap="none" i="0" spc="0" strike="noStrike" sz="1800" u="none" kumimoji="0" normalizeH="0">
+          <a:defRPr kumimoji="0" sz="1800" b="0" i="0" u="none" strike="noStrike" cap="none" spc="0" normalizeH="0" baseline="0">
             <a:ln>
               <a:noFill/>
             </a:ln>
@@ -4541,7 +5213,7 @@
           <a:buFontTx/>
           <a:buNone/>
           <a:tabLst/>
-          <a:defRPr b="0" baseline="0" cap="none" i="0" spc="0" strike="noStrike" sz="1800" u="none" kumimoji="0" normalizeH="0">
+          <a:defRPr kumimoji="0" sz="1800" b="0" i="0" u="none" strike="noStrike" cap="none" spc="0" normalizeH="0" baseline="0">
             <a:ln>
               <a:noFill/>
             </a:ln>
@@ -4567,7 +5239,7 @@
           <a:buFontTx/>
           <a:buNone/>
           <a:tabLst/>
-          <a:defRPr b="0" baseline="0" cap="none" i="0" spc="0" strike="noStrike" sz="1800" u="none" kumimoji="0" normalizeH="0">
+          <a:defRPr kumimoji="0" sz="1800" b="0" i="0" u="none" strike="noStrike" cap="none" spc="0" normalizeH="0" baseline="0">
             <a:ln>
               <a:noFill/>
             </a:ln>
@@ -4593,7 +5265,7 @@
           <a:buFontTx/>
           <a:buNone/>
           <a:tabLst/>
-          <a:defRPr b="0" baseline="0" cap="none" i="0" spc="0" strike="noStrike" sz="1800" u="none" kumimoji="0" normalizeH="0">
+          <a:defRPr kumimoji="0" sz="1800" b="0" i="0" u="none" strike="noStrike" cap="none" spc="0" normalizeH="0" baseline="0">
             <a:ln>
               <a:noFill/>
             </a:ln>
@@ -4619,7 +5291,7 @@
           <a:buFontTx/>
           <a:buNone/>
           <a:tabLst/>
-          <a:defRPr b="0" baseline="0" cap="none" i="0" spc="0" strike="noStrike" sz="1800" u="none" kumimoji="0" normalizeH="0">
+          <a:defRPr kumimoji="0" sz="1800" b="0" i="0" u="none" strike="noStrike" cap="none" spc="0" normalizeH="0" baseline="0">
             <a:ln>
               <a:noFill/>
             </a:ln>
@@ -4645,7 +5317,7 @@
           <a:buFontTx/>
           <a:buNone/>
           <a:tabLst/>
-          <a:defRPr b="0" baseline="0" cap="none" i="0" spc="0" strike="noStrike" sz="1800" u="none" kumimoji="0" normalizeH="0">
+          <a:defRPr kumimoji="0" sz="1800" b="0" i="0" u="none" strike="noStrike" cap="none" spc="0" normalizeH="0" baseline="0">
             <a:ln>
               <a:noFill/>
             </a:ln>
@@ -4671,7 +5343,7 @@
           <a:buFontTx/>
           <a:buNone/>
           <a:tabLst/>
-          <a:defRPr b="0" baseline="0" cap="none" i="0" spc="0" strike="noStrike" sz="1800" u="none" kumimoji="0" normalizeH="0">
+          <a:defRPr kumimoji="0" sz="1800" b="0" i="0" u="none" strike="noStrike" cap="none" spc="0" normalizeH="0" baseline="0">
             <a:ln>
               <a:noFill/>
             </a:ln>
@@ -4697,7 +5369,7 @@
           <a:buFontTx/>
           <a:buNone/>
           <a:tabLst/>
-          <a:defRPr b="0" baseline="0" cap="none" i="0" spc="0" strike="noStrike" sz="1800" u="none" kumimoji="0" normalizeH="0">
+          <a:defRPr kumimoji="0" sz="1800" b="0" i="0" u="none" strike="noStrike" cap="none" spc="0" normalizeH="0" baseline="0">
             <a:ln>
               <a:noFill/>
             </a:ln>
@@ -4723,7 +5395,7 @@
           <a:buFontTx/>
           <a:buNone/>
           <a:tabLst/>
-          <a:defRPr b="0" baseline="0" cap="none" i="0" spc="0" strike="noStrike" sz="1800" u="none" kumimoji="0" normalizeH="0">
+          <a:defRPr kumimoji="0" sz="1800" b="0" i="0" u="none" strike="noStrike" cap="none" spc="0" normalizeH="0" baseline="0">
             <a:ln>
               <a:noFill/>
             </a:ln>
@@ -4736,9 +5408,15 @@
         </a:lvl9pPr>
       </a:lstStyle>
       <a:style>
-        <a:lnRef idx="0"/>
-        <a:fillRef idx="0"/>
-        <a:effectRef idx="0"/>
+        <a:lnRef idx="0">
+          <a:scrgbClr r="0" g="0" b="0"/>
+        </a:lnRef>
+        <a:fillRef idx="0">
+          <a:scrgbClr r="0" g="0" b="0"/>
+        </a:fillRef>
+        <a:effectRef idx="0">
+          <a:scrgbClr r="0" g="0" b="0"/>
+        </a:effectRef>
         <a:fontRef idx="none"/>
       </a:style>
     </a:lnDef>
@@ -4752,7 +5430,7 @@
         <a:effectLst/>
         <a:sp3d/>
       </a:spPr>
-      <a:bodyPr rot="0" spcFirstLastPara="1" vertOverflow="overflow" horzOverflow="overflow" vert="horz" wrap="square" lIns="45719" tIns="45719" rIns="45719" bIns="45719" numCol="1" spcCol="38100" rtlCol="0" anchor="t" upright="0">
+      <a:bodyPr rot="0" spcFirstLastPara="1" vertOverflow="overflow" horzOverflow="overflow" vert="horz" wrap="square" lIns="45719" tIns="45719" rIns="45719" bIns="45719" numCol="1" spcCol="38100" rtlCol="0" anchor="t">
         <a:spAutoFit/>
       </a:bodyPr>
       <a:lstStyle>
@@ -4771,7 +5449,7 @@
           <a:buFontTx/>
           <a:buNone/>
           <a:tabLst/>
-          <a:defRPr b="0" baseline="0" cap="none" i="0" spc="0" strike="noStrike" sz="1800" u="none" kumimoji="0" normalizeH="0">
+          <a:defRPr kumimoji="0" sz="1800" b="0" i="0" u="none" strike="noStrike" cap="none" spc="0" normalizeH="0" baseline="0">
             <a:ln>
               <a:noFill/>
             </a:ln>
@@ -4801,7 +5479,7 @@
           <a:buFontTx/>
           <a:buNone/>
           <a:tabLst/>
-          <a:defRPr b="0" baseline="0" cap="none" i="0" spc="0" strike="noStrike" sz="1800" u="none" kumimoji="0" normalizeH="0">
+          <a:defRPr kumimoji="0" sz="1800" b="0" i="0" u="none" strike="noStrike" cap="none" spc="0" normalizeH="0" baseline="0">
             <a:ln>
               <a:noFill/>
             </a:ln>
@@ -4827,7 +5505,7 @@
           <a:buFontTx/>
           <a:buNone/>
           <a:tabLst/>
-          <a:defRPr b="0" baseline="0" cap="none" i="0" spc="0" strike="noStrike" sz="1800" u="none" kumimoji="0" normalizeH="0">
+          <a:defRPr kumimoji="0" sz="1800" b="0" i="0" u="none" strike="noStrike" cap="none" spc="0" normalizeH="0" baseline="0">
             <a:ln>
               <a:noFill/>
             </a:ln>
@@ -4853,7 +5531,7 @@
           <a:buFontTx/>
           <a:buNone/>
           <a:tabLst/>
-          <a:defRPr b="0" baseline="0" cap="none" i="0" spc="0" strike="noStrike" sz="1800" u="none" kumimoji="0" normalizeH="0">
+          <a:defRPr kumimoji="0" sz="1800" b="0" i="0" u="none" strike="noStrike" cap="none" spc="0" normalizeH="0" baseline="0">
             <a:ln>
               <a:noFill/>
             </a:ln>
@@ -4879,7 +5557,7 @@
           <a:buFontTx/>
           <a:buNone/>
           <a:tabLst/>
-          <a:defRPr b="0" baseline="0" cap="none" i="0" spc="0" strike="noStrike" sz="1800" u="none" kumimoji="0" normalizeH="0">
+          <a:defRPr kumimoji="0" sz="1800" b="0" i="0" u="none" strike="noStrike" cap="none" spc="0" normalizeH="0" baseline="0">
             <a:ln>
               <a:noFill/>
             </a:ln>
@@ -4905,7 +5583,7 @@
           <a:buFontTx/>
           <a:buNone/>
           <a:tabLst/>
-          <a:defRPr b="0" baseline="0" cap="none" i="0" spc="0" strike="noStrike" sz="1800" u="none" kumimoji="0" normalizeH="0">
+          <a:defRPr kumimoji="0" sz="1800" b="0" i="0" u="none" strike="noStrike" cap="none" spc="0" normalizeH="0" baseline="0">
             <a:ln>
               <a:noFill/>
             </a:ln>
@@ -4931,7 +5609,7 @@
           <a:buFontTx/>
           <a:buNone/>
           <a:tabLst/>
-          <a:defRPr b="0" baseline="0" cap="none" i="0" spc="0" strike="noStrike" sz="1800" u="none" kumimoji="0" normalizeH="0">
+          <a:defRPr kumimoji="0" sz="1800" b="0" i="0" u="none" strike="noStrike" cap="none" spc="0" normalizeH="0" baseline="0">
             <a:ln>
               <a:noFill/>
             </a:ln>
@@ -4957,7 +5635,7 @@
           <a:buFontTx/>
           <a:buNone/>
           <a:tabLst/>
-          <a:defRPr b="0" baseline="0" cap="none" i="0" spc="0" strike="noStrike" sz="1800" u="none" kumimoji="0" normalizeH="0">
+          <a:defRPr kumimoji="0" sz="1800" b="0" i="0" u="none" strike="noStrike" cap="none" spc="0" normalizeH="0" baseline="0">
             <a:ln>
               <a:noFill/>
             </a:ln>
@@ -4983,7 +5661,7 @@
           <a:buFontTx/>
           <a:buNone/>
           <a:tabLst/>
-          <a:defRPr b="0" baseline="0" cap="none" i="0" spc="0" strike="noStrike" sz="1800" u="none" kumimoji="0" normalizeH="0">
+          <a:defRPr kumimoji="0" sz="1800" b="0" i="0" u="none" strike="noStrike" cap="none" spc="0" normalizeH="0" baseline="0">
             <a:ln>
               <a:noFill/>
             </a:ln>
@@ -5009,7 +5687,7 @@
           <a:buFontTx/>
           <a:buNone/>
           <a:tabLst/>
-          <a:defRPr b="0" baseline="0" cap="none" i="0" spc="0" strike="noStrike" sz="1800" u="none" kumimoji="0" normalizeH="0">
+          <a:defRPr kumimoji="0" sz="1800" b="0" i="0" u="none" strike="noStrike" cap="none" spc="0" normalizeH="0" baseline="0">
             <a:ln>
               <a:noFill/>
             </a:ln>
@@ -5022,18 +5700,25 @@
         </a:lvl9pPr>
       </a:lstStyle>
       <a:style>
-        <a:lnRef idx="0"/>
-        <a:fillRef idx="0"/>
-        <a:effectRef idx="0"/>
+        <a:lnRef idx="0">
+          <a:scrgbClr r="0" g="0" b="0"/>
+        </a:lnRef>
+        <a:fillRef idx="0">
+          <a:scrgbClr r="0" g="0" b="0"/>
+        </a:fillRef>
+        <a:effectRef idx="0">
+          <a:scrgbClr r="0" g="0" b="0"/>
+        </a:effectRef>
         <a:fontRef idx="none"/>
       </a:style>
     </a:txDef>
   </a:objectDefaults>
+  <a:extraClrSchemeLst/>
 </a:theme>
 </file>
 
 <file path=ppt/theme/theme2.xml><?xml version="1.0" encoding="utf-8"?>
-<a:theme xmlns:a="http://schemas.openxmlformats.org/drawingml/2006/main" xmlns:r="http://schemas.openxmlformats.org/officeDocument/2006/relationships" name="Office Theme">
+<a:theme xmlns:a="http://schemas.openxmlformats.org/drawingml/2006/main" name="Office Theme">
   <a:themeElements>
     <a:clrScheme name="Office Theme">
       <a:dk1>
@@ -5235,7 +5920,7 @@
         <a:effectLst/>
         <a:sp3d/>
       </a:spPr>
-      <a:bodyPr rot="0" spcFirstLastPara="1" vertOverflow="overflow" horzOverflow="overflow" vert="horz" wrap="square" lIns="45719" tIns="45719" rIns="45719" bIns="45719" numCol="1" spcCol="38100" rtlCol="0" anchor="ctr" upright="0">
+      <a:bodyPr rot="0" spcFirstLastPara="1" vertOverflow="overflow" horzOverflow="overflow" vert="horz" wrap="square" lIns="45719" tIns="45719" rIns="45719" bIns="45719" numCol="1" spcCol="38100" rtlCol="0" anchor="ctr">
         <a:spAutoFit/>
       </a:bodyPr>
       <a:lstStyle>
@@ -5254,7 +5939,7 @@
           <a:buFontTx/>
           <a:buNone/>
           <a:tabLst/>
-          <a:defRPr b="0" baseline="0" cap="none" i="0" spc="0" strike="noStrike" sz="1800" u="none" kumimoji="0" normalizeH="0">
+          <a:defRPr kumimoji="0" sz="1800" b="0" i="0" u="none" strike="noStrike" cap="none" spc="0" normalizeH="0" baseline="0">
             <a:ln>
               <a:noFill/>
             </a:ln>
@@ -5284,7 +5969,7 @@
           <a:buFontTx/>
           <a:buNone/>
           <a:tabLst/>
-          <a:defRPr b="0" baseline="0" cap="none" i="0" spc="0" strike="noStrike" sz="1800" u="none" kumimoji="0" normalizeH="0">
+          <a:defRPr kumimoji="0" sz="1800" b="0" i="0" u="none" strike="noStrike" cap="none" spc="0" normalizeH="0" baseline="0">
             <a:ln>
               <a:noFill/>
             </a:ln>
@@ -5310,7 +5995,7 @@
           <a:buFontTx/>
           <a:buNone/>
           <a:tabLst/>
-          <a:defRPr b="0" baseline="0" cap="none" i="0" spc="0" strike="noStrike" sz="1800" u="none" kumimoji="0" normalizeH="0">
+          <a:defRPr kumimoji="0" sz="1800" b="0" i="0" u="none" strike="noStrike" cap="none" spc="0" normalizeH="0" baseline="0">
             <a:ln>
               <a:noFill/>
             </a:ln>
@@ -5336,7 +6021,7 @@
           <a:buFontTx/>
           <a:buNone/>
           <a:tabLst/>
-          <a:defRPr b="0" baseline="0" cap="none" i="0" spc="0" strike="noStrike" sz="1800" u="none" kumimoji="0" normalizeH="0">
+          <a:defRPr kumimoji="0" sz="1800" b="0" i="0" u="none" strike="noStrike" cap="none" spc="0" normalizeH="0" baseline="0">
             <a:ln>
               <a:noFill/>
             </a:ln>
@@ -5362,7 +6047,7 @@
           <a:buFontTx/>
           <a:buNone/>
           <a:tabLst/>
-          <a:defRPr b="0" baseline="0" cap="none" i="0" spc="0" strike="noStrike" sz="1800" u="none" kumimoji="0" normalizeH="0">
+          <a:defRPr kumimoji="0" sz="1800" b="0" i="0" u="none" strike="noStrike" cap="none" spc="0" normalizeH="0" baseline="0">
             <a:ln>
               <a:noFill/>
             </a:ln>
@@ -5388,7 +6073,7 @@
           <a:buFontTx/>
           <a:buNone/>
           <a:tabLst/>
-          <a:defRPr b="0" baseline="0" cap="none" i="0" spc="0" strike="noStrike" sz="1800" u="none" kumimoji="0" normalizeH="0">
+          <a:defRPr kumimoji="0" sz="1800" b="0" i="0" u="none" strike="noStrike" cap="none" spc="0" normalizeH="0" baseline="0">
             <a:ln>
               <a:noFill/>
             </a:ln>
@@ -5414,7 +6099,7 @@
           <a:buFontTx/>
           <a:buNone/>
           <a:tabLst/>
-          <a:defRPr b="0" baseline="0" cap="none" i="0" spc="0" strike="noStrike" sz="1800" u="none" kumimoji="0" normalizeH="0">
+          <a:defRPr kumimoji="0" sz="1800" b="0" i="0" u="none" strike="noStrike" cap="none" spc="0" normalizeH="0" baseline="0">
             <a:ln>
               <a:noFill/>
             </a:ln>
@@ -5440,7 +6125,7 @@
           <a:buFontTx/>
           <a:buNone/>
           <a:tabLst/>
-          <a:defRPr b="0" baseline="0" cap="none" i="0" spc="0" strike="noStrike" sz="1800" u="none" kumimoji="0" normalizeH="0">
+          <a:defRPr kumimoji="0" sz="1800" b="0" i="0" u="none" strike="noStrike" cap="none" spc="0" normalizeH="0" baseline="0">
             <a:ln>
               <a:noFill/>
             </a:ln>
@@ -5466,7 +6151,7 @@
           <a:buFontTx/>
           <a:buNone/>
           <a:tabLst/>
-          <a:defRPr b="0" baseline="0" cap="none" i="0" spc="0" strike="noStrike" sz="1800" u="none" kumimoji="0" normalizeH="0">
+          <a:defRPr kumimoji="0" sz="1800" b="0" i="0" u="none" strike="noStrike" cap="none" spc="0" normalizeH="0" baseline="0">
             <a:ln>
               <a:noFill/>
             </a:ln>
@@ -5492,7 +6177,7 @@
           <a:buFontTx/>
           <a:buNone/>
           <a:tabLst/>
-          <a:defRPr b="0" baseline="0" cap="none" i="0" spc="0" strike="noStrike" sz="1800" u="none" kumimoji="0" normalizeH="0">
+          <a:defRPr kumimoji="0" sz="1800" b="0" i="0" u="none" strike="noStrike" cap="none" spc="0" normalizeH="0" baseline="0">
             <a:ln>
               <a:noFill/>
             </a:ln>
@@ -5505,9 +6190,15 @@
         </a:lvl9pPr>
       </a:lstStyle>
       <a:style>
-        <a:lnRef idx="0"/>
-        <a:fillRef idx="0"/>
-        <a:effectRef idx="0"/>
+        <a:lnRef idx="0">
+          <a:scrgbClr r="0" g="0" b="0"/>
+        </a:lnRef>
+        <a:fillRef idx="0">
+          <a:scrgbClr r="0" g="0" b="0"/>
+        </a:fillRef>
+        <a:effectRef idx="0">
+          <a:scrgbClr r="0" g="0" b="0"/>
+        </a:effectRef>
         <a:fontRef idx="none"/>
       </a:style>
     </a:spDef>
@@ -5524,7 +6215,7 @@
         <a:effectLst/>
         <a:sp3d/>
       </a:spPr>
-      <a:bodyPr rot="0" spcFirstLastPara="1" vertOverflow="overflow" horzOverflow="overflow" vert="horz" wrap="square" lIns="91439" tIns="45719" rIns="91439" bIns="45719" numCol="1" spcCol="38100" rtlCol="0" anchor="t" upright="0">
+      <a:bodyPr rot="0" spcFirstLastPara="1" vertOverflow="overflow" horzOverflow="overflow" vert="horz" wrap="square" lIns="91439" tIns="45719" rIns="91439" bIns="45719" numCol="1" spcCol="38100" rtlCol="0" anchor="t">
         <a:noAutofit/>
       </a:bodyPr>
       <a:lstStyle>
@@ -5543,7 +6234,7 @@
           <a:buFontTx/>
           <a:buNone/>
           <a:tabLst/>
-          <a:defRPr b="0" baseline="0" cap="none" i="0" spc="0" strike="noStrike" sz="1800" u="none" kumimoji="0" normalizeH="0">
+          <a:defRPr kumimoji="0" sz="1800" b="0" i="0" u="none" strike="noStrike" cap="none" spc="0" normalizeH="0" baseline="0">
             <a:ln>
               <a:noFill/>
             </a:ln>
@@ -5569,7 +6260,7 @@
           <a:buFontTx/>
           <a:buNone/>
           <a:tabLst/>
-          <a:defRPr b="0" baseline="0" cap="none" i="0" spc="0" strike="noStrike" sz="1800" u="none" kumimoji="0" normalizeH="0">
+          <a:defRPr kumimoji="0" sz="1800" b="0" i="0" u="none" strike="noStrike" cap="none" spc="0" normalizeH="0" baseline="0">
             <a:ln>
               <a:noFill/>
             </a:ln>
@@ -5595,7 +6286,7 @@
           <a:buFontTx/>
           <a:buNone/>
           <a:tabLst/>
-          <a:defRPr b="0" baseline="0" cap="none" i="0" spc="0" strike="noStrike" sz="1800" u="none" kumimoji="0" normalizeH="0">
+          <a:defRPr kumimoji="0" sz="1800" b="0" i="0" u="none" strike="noStrike" cap="none" spc="0" normalizeH="0" baseline="0">
             <a:ln>
               <a:noFill/>
             </a:ln>
@@ -5621,7 +6312,7 @@
           <a:buFontTx/>
           <a:buNone/>
           <a:tabLst/>
-          <a:defRPr b="0" baseline="0" cap="none" i="0" spc="0" strike="noStrike" sz="1800" u="none" kumimoji="0" normalizeH="0">
+          <a:defRPr kumimoji="0" sz="1800" b="0" i="0" u="none" strike="noStrike" cap="none" spc="0" normalizeH="0" baseline="0">
             <a:ln>
               <a:noFill/>
             </a:ln>
@@ -5647,7 +6338,7 @@
           <a:buFontTx/>
           <a:buNone/>
           <a:tabLst/>
-          <a:defRPr b="0" baseline="0" cap="none" i="0" spc="0" strike="noStrike" sz="1800" u="none" kumimoji="0" normalizeH="0">
+          <a:defRPr kumimoji="0" sz="1800" b="0" i="0" u="none" strike="noStrike" cap="none" spc="0" normalizeH="0" baseline="0">
             <a:ln>
               <a:noFill/>
             </a:ln>
@@ -5673,7 +6364,7 @@
           <a:buFontTx/>
           <a:buNone/>
           <a:tabLst/>
-          <a:defRPr b="0" baseline="0" cap="none" i="0" spc="0" strike="noStrike" sz="1800" u="none" kumimoji="0" normalizeH="0">
+          <a:defRPr kumimoji="0" sz="1800" b="0" i="0" u="none" strike="noStrike" cap="none" spc="0" normalizeH="0" baseline="0">
             <a:ln>
               <a:noFill/>
             </a:ln>
@@ -5699,7 +6390,7 @@
           <a:buFontTx/>
           <a:buNone/>
           <a:tabLst/>
-          <a:defRPr b="0" baseline="0" cap="none" i="0" spc="0" strike="noStrike" sz="1800" u="none" kumimoji="0" normalizeH="0">
+          <a:defRPr kumimoji="0" sz="1800" b="0" i="0" u="none" strike="noStrike" cap="none" spc="0" normalizeH="0" baseline="0">
             <a:ln>
               <a:noFill/>
             </a:ln>
@@ -5725,7 +6416,7 @@
           <a:buFontTx/>
           <a:buNone/>
           <a:tabLst/>
-          <a:defRPr b="0" baseline="0" cap="none" i="0" spc="0" strike="noStrike" sz="1800" u="none" kumimoji="0" normalizeH="0">
+          <a:defRPr kumimoji="0" sz="1800" b="0" i="0" u="none" strike="noStrike" cap="none" spc="0" normalizeH="0" baseline="0">
             <a:ln>
               <a:noFill/>
             </a:ln>
@@ -5751,7 +6442,7 @@
           <a:buFontTx/>
           <a:buNone/>
           <a:tabLst/>
-          <a:defRPr b="0" baseline="0" cap="none" i="0" spc="0" strike="noStrike" sz="1800" u="none" kumimoji="0" normalizeH="0">
+          <a:defRPr kumimoji="0" sz="1800" b="0" i="0" u="none" strike="noStrike" cap="none" spc="0" normalizeH="0" baseline="0">
             <a:ln>
               <a:noFill/>
             </a:ln>
@@ -5777,7 +6468,7 @@
           <a:buFontTx/>
           <a:buNone/>
           <a:tabLst/>
-          <a:defRPr b="0" baseline="0" cap="none" i="0" spc="0" strike="noStrike" sz="1800" u="none" kumimoji="0" normalizeH="0">
+          <a:defRPr kumimoji="0" sz="1800" b="0" i="0" u="none" strike="noStrike" cap="none" spc="0" normalizeH="0" baseline="0">
             <a:ln>
               <a:noFill/>
             </a:ln>
@@ -5790,9 +6481,15 @@
         </a:lvl9pPr>
       </a:lstStyle>
       <a:style>
-        <a:lnRef idx="0"/>
-        <a:fillRef idx="0"/>
-        <a:effectRef idx="0"/>
+        <a:lnRef idx="0">
+          <a:scrgbClr r="0" g="0" b="0"/>
+        </a:lnRef>
+        <a:fillRef idx="0">
+          <a:scrgbClr r="0" g="0" b="0"/>
+        </a:fillRef>
+        <a:effectRef idx="0">
+          <a:scrgbClr r="0" g="0" b="0"/>
+        </a:effectRef>
         <a:fontRef idx="none"/>
       </a:style>
     </a:lnDef>
@@ -5806,7 +6503,7 @@
         <a:effectLst/>
         <a:sp3d/>
       </a:spPr>
-      <a:bodyPr rot="0" spcFirstLastPara="1" vertOverflow="overflow" horzOverflow="overflow" vert="horz" wrap="square" lIns="45719" tIns="45719" rIns="45719" bIns="45719" numCol="1" spcCol="38100" rtlCol="0" anchor="t" upright="0">
+      <a:bodyPr rot="0" spcFirstLastPara="1" vertOverflow="overflow" horzOverflow="overflow" vert="horz" wrap="square" lIns="45719" tIns="45719" rIns="45719" bIns="45719" numCol="1" spcCol="38100" rtlCol="0" anchor="t">
         <a:spAutoFit/>
       </a:bodyPr>
       <a:lstStyle>
@@ -5825,7 +6522,7 @@
           <a:buFontTx/>
           <a:buNone/>
           <a:tabLst/>
-          <a:defRPr b="0" baseline="0" cap="none" i="0" spc="0" strike="noStrike" sz="1800" u="none" kumimoji="0" normalizeH="0">
+          <a:defRPr kumimoji="0" sz="1800" b="0" i="0" u="none" strike="noStrike" cap="none" spc="0" normalizeH="0" baseline="0">
             <a:ln>
               <a:noFill/>
             </a:ln>
@@ -5855,7 +6552,7 @@
           <a:buFontTx/>
           <a:buNone/>
           <a:tabLst/>
-          <a:defRPr b="0" baseline="0" cap="none" i="0" spc="0" strike="noStrike" sz="1800" u="none" kumimoji="0" normalizeH="0">
+          <a:defRPr kumimoji="0" sz="1800" b="0" i="0" u="none" strike="noStrike" cap="none" spc="0" normalizeH="0" baseline="0">
             <a:ln>
               <a:noFill/>
             </a:ln>
@@ -5881,7 +6578,7 @@
           <a:buFontTx/>
           <a:buNone/>
           <a:tabLst/>
-          <a:defRPr b="0" baseline="0" cap="none" i="0" spc="0" strike="noStrike" sz="1800" u="none" kumimoji="0" normalizeH="0">
+          <a:defRPr kumimoji="0" sz="1800" b="0" i="0" u="none" strike="noStrike" cap="none" spc="0" normalizeH="0" baseline="0">
             <a:ln>
               <a:noFill/>
             </a:ln>
@@ -5907,7 +6604,7 @@
           <a:buFontTx/>
           <a:buNone/>
           <a:tabLst/>
-          <a:defRPr b="0" baseline="0" cap="none" i="0" spc="0" strike="noStrike" sz="1800" u="none" kumimoji="0" normalizeH="0">
+          <a:defRPr kumimoji="0" sz="1800" b="0" i="0" u="none" strike="noStrike" cap="none" spc="0" normalizeH="0" baseline="0">
             <a:ln>
               <a:noFill/>
             </a:ln>
@@ -5933,7 +6630,7 @@
           <a:buFontTx/>
           <a:buNone/>
           <a:tabLst/>
-          <a:defRPr b="0" baseline="0" cap="none" i="0" spc="0" strike="noStrike" sz="1800" u="none" kumimoji="0" normalizeH="0">
+          <a:defRPr kumimoji="0" sz="1800" b="0" i="0" u="none" strike="noStrike" cap="none" spc="0" normalizeH="0" baseline="0">
             <a:ln>
               <a:noFill/>
             </a:ln>
@@ -5959,7 +6656,7 @@
           <a:buFontTx/>
           <a:buNone/>
           <a:tabLst/>
-          <a:defRPr b="0" baseline="0" cap="none" i="0" spc="0" strike="noStrike" sz="1800" u="none" kumimoji="0" normalizeH="0">
+          <a:defRPr kumimoji="0" sz="1800" b="0" i="0" u="none" strike="noStrike" cap="none" spc="0" normalizeH="0" baseline="0">
             <a:ln>
               <a:noFill/>
             </a:ln>
@@ -5985,7 +6682,7 @@
           <a:buFontTx/>
           <a:buNone/>
           <a:tabLst/>
-          <a:defRPr b="0" baseline="0" cap="none" i="0" spc="0" strike="noStrike" sz="1800" u="none" kumimoji="0" normalizeH="0">
+          <a:defRPr kumimoji="0" sz="1800" b="0" i="0" u="none" strike="noStrike" cap="none" spc="0" normalizeH="0" baseline="0">
             <a:ln>
               <a:noFill/>
             </a:ln>
@@ -6011,7 +6708,7 @@
           <a:buFontTx/>
           <a:buNone/>
           <a:tabLst/>
-          <a:defRPr b="0" baseline="0" cap="none" i="0" spc="0" strike="noStrike" sz="1800" u="none" kumimoji="0" normalizeH="0">
+          <a:defRPr kumimoji="0" sz="1800" b="0" i="0" u="none" strike="noStrike" cap="none" spc="0" normalizeH="0" baseline="0">
             <a:ln>
               <a:noFill/>
             </a:ln>
@@ -6037,7 +6734,7 @@
           <a:buFontTx/>
           <a:buNone/>
           <a:tabLst/>
-          <a:defRPr b="0" baseline="0" cap="none" i="0" spc="0" strike="noStrike" sz="1800" u="none" kumimoji="0" normalizeH="0">
+          <a:defRPr kumimoji="0" sz="1800" b="0" i="0" u="none" strike="noStrike" cap="none" spc="0" normalizeH="0" baseline="0">
             <a:ln>
               <a:noFill/>
             </a:ln>
@@ -6063,7 +6760,7 @@
           <a:buFontTx/>
           <a:buNone/>
           <a:tabLst/>
-          <a:defRPr b="0" baseline="0" cap="none" i="0" spc="0" strike="noStrike" sz="1800" u="none" kumimoji="0" normalizeH="0">
+          <a:defRPr kumimoji="0" sz="1800" b="0" i="0" u="none" strike="noStrike" cap="none" spc="0" normalizeH="0" baseline="0">
             <a:ln>
               <a:noFill/>
             </a:ln>
@@ -6076,12 +6773,19 @@
         </a:lvl9pPr>
       </a:lstStyle>
       <a:style>
-        <a:lnRef idx="0"/>
-        <a:fillRef idx="0"/>
-        <a:effectRef idx="0"/>
+        <a:lnRef idx="0">
+          <a:scrgbClr r="0" g="0" b="0"/>
+        </a:lnRef>
+        <a:fillRef idx="0">
+          <a:scrgbClr r="0" g="0" b="0"/>
+        </a:fillRef>
+        <a:effectRef idx="0">
+          <a:scrgbClr r="0" g="0" b="0"/>
+        </a:effectRef>
         <a:fontRef idx="none"/>
       </a:style>
     </a:txDef>
   </a:objectDefaults>
+  <a:extraClrSchemeLst/>
 </a:theme>
 </file>
--- a/Pipelined basic instruction set simulation.pptx
+++ b/Pipelined basic instruction set simulation.pptx
@@ -2890,7 +2890,24 @@
           <a:lstStyle/>
           <a:p>
             <a:r>
-              <a:t>Pipelined basic instruction set simulation</a:t>
+              <a:rPr lang="en-US" altLang="zh-CN" dirty="0" smtClean="0"/>
+              <a:t>B</a:t>
+            </a:r>
+            <a:r>
+              <a:rPr lang="en-US" dirty="0" smtClean="0"/>
+              <a:t>asic </a:t>
+            </a:r>
+            <a:r>
+              <a:rPr lang="en-US" altLang="zh-CN" dirty="0" smtClean="0"/>
+              <a:t>p</a:t>
+            </a:r>
+            <a:r>
+              <a:rPr dirty="0" smtClean="0"/>
+              <a:t>ipelined instruction </a:t>
+            </a:r>
+            <a:r>
+              <a:rPr dirty="0"/>
+              <a:t>set simulation</a:t>
             </a:r>
           </a:p>
         </p:txBody>
@@ -2919,7 +2936,16 @@
           <a:lstStyle/>
           <a:p>
             <a:r>
-              <a:t>Wei Hong  and Tengyu Sun</a:t>
+              <a:rPr dirty="0"/>
+              <a:t>Wei Hong  and </a:t>
+            </a:r>
+            <a:r>
+              <a:rPr dirty="0" err="1"/>
+              <a:t>Tengyu</a:t>
+            </a:r>
+            <a:r>
+              <a:rPr dirty="0"/>
+              <a:t> Sun</a:t>
             </a:r>
           </a:p>
         </p:txBody>
@@ -4246,7 +4272,15 @@
             </a:r>
             <a:r>
               <a:rPr lang="en-US" sz="2400" dirty="0" smtClean="0"/>
-              <a:t> If labels are encountered, offset is calculated according to the its their line 	numbers.</a:t>
+              <a:t> If a label is encountered, the offset is calculated according to the </a:t>
+            </a:r>
+            <a:r>
+              <a:rPr lang="en-US" altLang="zh-CN" sz="2400" dirty="0" smtClean="0"/>
+              <a:t>difference 	of</a:t>
+            </a:r>
+            <a:r>
+              <a:rPr lang="en-US" sz="2400" dirty="0" smtClean="0"/>
+              <a:t> line numbers.</a:t>
             </a:r>
             <a:endParaRPr sz="2400" dirty="0"/>
           </a:p>

--- a/Pipelined basic instruction set simulation.pptx
+++ b/Pipelined basic instruction set simulation.pptx
@@ -322,15 +322,6 @@
 <p:cmAuthorLst xmlns:a="http://schemas.openxmlformats.org/drawingml/2006/main" xmlns:r="http://schemas.openxmlformats.org/officeDocument/2006/relationships" xmlns:p="http://schemas.openxmlformats.org/presentationml/2006/main">
   <p:cmAuthor id="0" name="iceberg hong" initials="ih" lastIdx="1" clrIdx="0"/>
 </p:cmAuthorLst>
-</file>
-
-<file path=ppt/comments/comment1.xml><?xml version="1.0" encoding="utf-8"?>
-<p:cmLst xmlns:a="http://schemas.openxmlformats.org/drawingml/2006/main" xmlns:r="http://schemas.openxmlformats.org/officeDocument/2006/relationships" xmlns:p="http://schemas.openxmlformats.org/presentationml/2006/main">
-  <p:cm authorId="0" dt="2016-03-22T00:43:10.113" idx="1">
-    <p:pos x="10" y="10"/>
-    <p:text/>
-  </p:cm>
-</p:cmLst>
 </file>
 
 <file path=ppt/notesMasters/notesMaster1.xml><?xml version="1.0" encoding="utf-8"?>
